--- a/01 - Presentation - DevOps.pptx
+++ b/01 - Presentation - DevOps.pptx
@@ -169,7 +169,7 @@
   </p:defaultTextStyle>
   <p:extLst>
     <p:ext uri="{EFAFB233-063F-42B5-8137-9DF3F51BA10A}">
-      <p15:sldGuideLst xmlns:p15="http://schemas.microsoft.com/office/powerpoint/2012/main" xmlns="">
+      <p15:sldGuideLst xmlns="" xmlns:p15="http://schemas.microsoft.com/office/powerpoint/2012/main">
         <p15:guide id="1" orient="horz" pos="1069" userDrawn="1">
           <p15:clr>
             <a:srgbClr val="A4A3A4"/>
@@ -218,7 +218,7 @@
       </p15:sldGuideLst>
     </p:ext>
     <p:ext uri="{2D200454-40CA-4A62-9FC3-DE9A4176ACB9}">
-      <p15:notesGuideLst xmlns:p15="http://schemas.microsoft.com/office/powerpoint/2012/main" xmlns="">
+      <p15:notesGuideLst xmlns="" xmlns:p15="http://schemas.microsoft.com/office/powerpoint/2012/main">
         <p15:guide id="1" orient="horz" pos="3120">
           <p15:clr>
             <a:srgbClr val="A4A3A4"/>
@@ -338,7 +338,7 @@
               <a:pPr>
                 <a:defRPr/>
               </a:pPr>
-              <a:t>10/3/2019</a:t>
+              <a:t>6/3/2020</a:t>
             </a:fld>
             <a:endParaRPr lang="en-GB"/>
           </a:p>
@@ -545,7 +545,7 @@
               <a:pPr>
                 <a:defRPr/>
               </a:pPr>
-              <a:t>10/3/2019</a:t>
+              <a:t>6/3/2020</a:t>
             </a:fld>
             <a:endParaRPr lang="en-GB"/>
           </a:p>
@@ -3342,7 +3342,7 @@
           <p:cNvPr id="12" name="Rectangle 3">
             <a:extLst>
               <a:ext uri="{FF2B5EF4-FFF2-40B4-BE49-F238E27FC236}">
-                <a16:creationId xmlns:a16="http://schemas.microsoft.com/office/drawing/2014/main" xmlns="" id="{1E211F08-597D-4714-A231-927134E8151D}"/>
+                <a16:creationId xmlns="" xmlns:a16="http://schemas.microsoft.com/office/drawing/2014/main" id="{1E211F08-597D-4714-A231-927134E8151D}"/>
               </a:ext>
             </a:extLst>
           </p:cNvPr>
@@ -3418,7 +3418,7 @@
           <p:cNvPr id="13" name="Rectangle 2">
             <a:extLst>
               <a:ext uri="{FF2B5EF4-FFF2-40B4-BE49-F238E27FC236}">
-                <a16:creationId xmlns:a16="http://schemas.microsoft.com/office/drawing/2014/main" xmlns="" id="{BF0ECE30-A2A5-47A7-8449-8844D5A80371}"/>
+                <a16:creationId xmlns="" xmlns:a16="http://schemas.microsoft.com/office/drawing/2014/main" id="{BF0ECE30-A2A5-47A7-8449-8844D5A80371}"/>
               </a:ext>
             </a:extLst>
           </p:cNvPr>
@@ -3592,7 +3592,7 @@
           <a:p>
             <a:fld id="{50D0BADA-45E7-4CA2-A310-ADB16ADB8D60}" type="datetime1">
               <a:rPr lang="en-IN" smtClean="0"/>
-              <a:t>03-10-2019</a:t>
+              <a:t>03-06-2020</a:t>
             </a:fld>
             <a:endParaRPr lang="en-IN"/>
           </a:p>
@@ -9599,7 +9599,7 @@
             </a:pPr>
             <a:fld id="{AC7EC29F-3C07-48A7-9CA5-B16C494F07AA}" type="datetime1">
               <a:rPr lang="en-IN" smtClean="0"/>
-              <a:t>03-10-2019</a:t>
+              <a:t>03-06-2020</a:t>
             </a:fld>
             <a:endParaRPr lang="en-US"/>
           </a:p>
@@ -11514,7 +11514,7 @@
           <p:cNvPr id="5" name="Subtitle 2">
             <a:extLst>
               <a:ext uri="{FF2B5EF4-FFF2-40B4-BE49-F238E27FC236}">
-                <a16:creationId xmlns:a16="http://schemas.microsoft.com/office/drawing/2014/main" xmlns="" id="{76851B39-C7CF-4BB2-9A9B-43FECE83BF36}"/>
+                <a16:creationId xmlns="" xmlns:a16="http://schemas.microsoft.com/office/drawing/2014/main" id="{76851B39-C7CF-4BB2-9A9B-43FECE83BF36}"/>
               </a:ext>
             </a:extLst>
           </p:cNvPr>
@@ -11525,8 +11525,8 @@
         </p:nvSpPr>
         <p:spPr>
           <a:xfrm>
-            <a:off x="178835" y="1084262"/>
-            <a:ext cx="5674414" cy="1299709"/>
+            <a:off x="3814401" y="2818521"/>
+            <a:ext cx="2432163" cy="843690"/>
           </a:xfrm>
           <a:prstGeom prst="rect">
             <a:avLst/>
@@ -11543,21 +11543,13 @@
               <a:defRPr/>
             </a:pPr>
             <a:r>
-              <a:rPr lang="en-GB" sz="4000" b="1" dirty="0">
+              <a:rPr lang="en-GB" sz="4000" b="1" dirty="0" smtClean="0">
                 <a:latin typeface="+mn-lt"/>
                 <a:ea typeface="ＭＳ Ｐゴシック" pitchFamily="34" charset="-128"/>
                 <a:cs typeface="ＭＳ Ｐゴシック" pitchFamily="-109" charset="-128"/>
               </a:rPr>
-              <a:t>Dev-Ops</a:t>
-            </a:r>
-          </a:p>
-          <a:p>
-            <a:pPr algn="ctr" defTabSz="913430" eaLnBrk="0" hangingPunct="0">
-              <a:spcBef>
-                <a:spcPts val="300"/>
-              </a:spcBef>
-              <a:defRPr/>
-            </a:pPr>
+              <a:t>DevOps</a:t>
+            </a:r>
             <a:endParaRPr lang="en-GB" sz="4000" dirty="0">
               <a:solidFill>
                 <a:schemeClr val="bg2">
@@ -11613,6 +11605,13 @@
     <a:masterClrMapping/>
   </p:clrMapOvr>
   <p:transition/>
+  <p:timing>
+    <p:tnLst>
+      <p:par>
+        <p:cTn id="1" dur="indefinite" restart="never" nodeType="tmRoot"/>
+      </p:par>
+    </p:tnLst>
+  </p:timing>
 </p:sld>
 </file>
 
@@ -11893,7 +11892,7 @@
           <p:cNvPr id="4" name="Rectangle 3">
             <a:extLst>
               <a:ext uri="{FF2B5EF4-FFF2-40B4-BE49-F238E27FC236}">
-                <a16:creationId xmlns:a16="http://schemas.microsoft.com/office/drawing/2014/main" xmlns="" id="{7EC0AAC2-E2E3-4BDE-92BF-8D2CF4CEF7AD}"/>
+                <a16:creationId xmlns="" xmlns:a16="http://schemas.microsoft.com/office/drawing/2014/main" id="{7EC0AAC2-E2E3-4BDE-92BF-8D2CF4CEF7AD}"/>
               </a:ext>
             </a:extLst>
           </p:cNvPr>
@@ -11941,7 +11940,7 @@
           <p:cNvPr id="5" name="Picture 4">
             <a:extLst>
               <a:ext uri="{FF2B5EF4-FFF2-40B4-BE49-F238E27FC236}">
-                <a16:creationId xmlns:a16="http://schemas.microsoft.com/office/drawing/2014/main" xmlns="" id="{ED144C47-33EC-4E03-A9DA-165DED225EE1}"/>
+                <a16:creationId xmlns="" xmlns:a16="http://schemas.microsoft.com/office/drawing/2014/main" id="{ED144C47-33EC-4E03-A9DA-165DED225EE1}"/>
               </a:ext>
             </a:extLst>
           </p:cNvPr>
@@ -11991,7 +11990,7 @@
           </a:ln>
           <a:extLst>
             <a:ext uri="{C572A759-6A51-4108-AA02-DFA0A04FC94B}">
-              <ma14:wrappingTextBoxFlag xmlns:ma14="http://schemas.microsoft.com/office/mac/drawingml/2011/main" xmlns="" val="1"/>
+              <ma14:wrappingTextBoxFlag xmlns="" xmlns:ma14="http://schemas.microsoft.com/office/mac/drawingml/2011/main" val="1"/>
             </a:ext>
           </a:extLst>
         </p:spPr>
@@ -12780,7 +12779,7 @@
           <p:cNvPr id="4" name="Rectangle 3">
             <a:extLst>
               <a:ext uri="{FF2B5EF4-FFF2-40B4-BE49-F238E27FC236}">
-                <a16:creationId xmlns:a16="http://schemas.microsoft.com/office/drawing/2014/main" xmlns="" id="{7EC0AAC2-E2E3-4BDE-92BF-8D2CF4CEF7AD}"/>
+                <a16:creationId xmlns="" xmlns:a16="http://schemas.microsoft.com/office/drawing/2014/main" id="{7EC0AAC2-E2E3-4BDE-92BF-8D2CF4CEF7AD}"/>
               </a:ext>
             </a:extLst>
           </p:cNvPr>
@@ -12828,7 +12827,7 @@
           <p:cNvPr id="5" name="Picture 4">
             <a:extLst>
               <a:ext uri="{FF2B5EF4-FFF2-40B4-BE49-F238E27FC236}">
-                <a16:creationId xmlns:a16="http://schemas.microsoft.com/office/drawing/2014/main" xmlns="" id="{6B872CE3-6A33-4EBA-B79B-CFA10C977CAC}"/>
+                <a16:creationId xmlns="" xmlns:a16="http://schemas.microsoft.com/office/drawing/2014/main" id="{6B872CE3-6A33-4EBA-B79B-CFA10C977CAC}"/>
               </a:ext>
             </a:extLst>
           </p:cNvPr>
@@ -12888,7 +12887,7 @@
           </a:ln>
           <a:extLst>
             <a:ext uri="{C572A759-6A51-4108-AA02-DFA0A04FC94B}">
-              <ma14:wrappingTextBoxFlag xmlns:ma14="http://schemas.microsoft.com/office/mac/drawingml/2011/main" xmlns="" val="1"/>
+              <ma14:wrappingTextBoxFlag xmlns="" xmlns:ma14="http://schemas.microsoft.com/office/mac/drawingml/2011/main" val="1"/>
             </a:ext>
           </a:extLst>
         </p:spPr>
@@ -13202,7 +13201,7 @@
           <p:cNvPr id="5" name="Rectangle 4">
             <a:extLst>
               <a:ext uri="{FF2B5EF4-FFF2-40B4-BE49-F238E27FC236}">
-                <a16:creationId xmlns:a16="http://schemas.microsoft.com/office/drawing/2014/main" xmlns="" id="{3835917F-7DD5-40E2-9538-CDE5A5254D02}"/>
+                <a16:creationId xmlns="" xmlns:a16="http://schemas.microsoft.com/office/drawing/2014/main" id="{3835917F-7DD5-40E2-9538-CDE5A5254D02}"/>
               </a:ext>
             </a:extLst>
           </p:cNvPr>
@@ -13250,7 +13249,7 @@
           <p:cNvPr id="8" name="Rectangle 7">
             <a:extLst>
               <a:ext uri="{FF2B5EF4-FFF2-40B4-BE49-F238E27FC236}">
-                <a16:creationId xmlns:a16="http://schemas.microsoft.com/office/drawing/2014/main" xmlns="" id="{AFAD3EEF-5CD0-409C-92FE-6FFE0C8C743C}"/>
+                <a16:creationId xmlns="" xmlns:a16="http://schemas.microsoft.com/office/drawing/2014/main" id="{AFAD3EEF-5CD0-409C-92FE-6FFE0C8C743C}"/>
               </a:ext>
             </a:extLst>
           </p:cNvPr>
@@ -13391,7 +13390,7 @@
           <p:cNvPr id="10" name="Rectangle 34">
             <a:extLst>
               <a:ext uri="{FF2B5EF4-FFF2-40B4-BE49-F238E27FC236}">
-                <a16:creationId xmlns:a16="http://schemas.microsoft.com/office/drawing/2014/main" xmlns="" id="{39E1AD91-C291-4DB2-A495-DA6305FD5943}"/>
+                <a16:creationId xmlns="" xmlns:a16="http://schemas.microsoft.com/office/drawing/2014/main" id="{39E1AD91-C291-4DB2-A495-DA6305FD5943}"/>
               </a:ext>
             </a:extLst>
           </p:cNvPr>
@@ -13446,7 +13445,7 @@
           <p:cNvPr id="11" name="Rectangle 34">
             <a:extLst>
               <a:ext uri="{FF2B5EF4-FFF2-40B4-BE49-F238E27FC236}">
-                <a16:creationId xmlns:a16="http://schemas.microsoft.com/office/drawing/2014/main" xmlns="" id="{9DA577B7-A9EC-405B-B4F3-DC38A02C7344}"/>
+                <a16:creationId xmlns="" xmlns:a16="http://schemas.microsoft.com/office/drawing/2014/main" id="{9DA577B7-A9EC-405B-B4F3-DC38A02C7344}"/>
               </a:ext>
             </a:extLst>
           </p:cNvPr>
@@ -13501,7 +13500,7 @@
           <p:cNvPr id="12" name="Rectangle 34">
             <a:extLst>
               <a:ext uri="{FF2B5EF4-FFF2-40B4-BE49-F238E27FC236}">
-                <a16:creationId xmlns:a16="http://schemas.microsoft.com/office/drawing/2014/main" xmlns="" id="{0C0827A3-237A-44CE-9C4F-28F526A8D879}"/>
+                <a16:creationId xmlns="" xmlns:a16="http://schemas.microsoft.com/office/drawing/2014/main" id="{0C0827A3-237A-44CE-9C4F-28F526A8D879}"/>
               </a:ext>
             </a:extLst>
           </p:cNvPr>
@@ -13552,7 +13551,7 @@
           <p:cNvPr id="13" name="Rectangle 12">
             <a:extLst>
               <a:ext uri="{FF2B5EF4-FFF2-40B4-BE49-F238E27FC236}">
-                <a16:creationId xmlns:a16="http://schemas.microsoft.com/office/drawing/2014/main" xmlns="" id="{526C6E68-979D-4FD9-AE77-2DEF5FEE37CE}"/>
+                <a16:creationId xmlns="" xmlns:a16="http://schemas.microsoft.com/office/drawing/2014/main" id="{526C6E68-979D-4FD9-AE77-2DEF5FEE37CE}"/>
               </a:ext>
             </a:extLst>
           </p:cNvPr>
@@ -13695,7 +13694,7 @@
           <p:cNvPr id="7" name="Rectangle 6">
             <a:extLst>
               <a:ext uri="{FF2B5EF4-FFF2-40B4-BE49-F238E27FC236}">
-                <a16:creationId xmlns:a16="http://schemas.microsoft.com/office/drawing/2014/main" xmlns="" id="{32EC5940-80E2-4381-B5E2-A06C2A86AAF7}"/>
+                <a16:creationId xmlns="" xmlns:a16="http://schemas.microsoft.com/office/drawing/2014/main" id="{32EC5940-80E2-4381-B5E2-A06C2A86AAF7}"/>
               </a:ext>
             </a:extLst>
           </p:cNvPr>
@@ -13747,7 +13746,7 @@
           <p:cNvPr id="15" name="Picture 3">
             <a:extLst>
               <a:ext uri="{FF2B5EF4-FFF2-40B4-BE49-F238E27FC236}">
-                <a16:creationId xmlns:a16="http://schemas.microsoft.com/office/drawing/2014/main" xmlns="" id="{C0430872-7395-4185-92BA-BF50C89EB1F7}"/>
+                <a16:creationId xmlns="" xmlns:a16="http://schemas.microsoft.com/office/drawing/2014/main" id="{C0430872-7395-4185-92BA-BF50C89EB1F7}"/>
               </a:ext>
             </a:extLst>
           </p:cNvPr>
@@ -13831,7 +13830,7 @@
           </a:ln>
           <a:extLst>
             <a:ext uri="{C572A759-6A51-4108-AA02-DFA0A04FC94B}">
-              <ma14:wrappingTextBoxFlag xmlns:ma14="http://schemas.microsoft.com/office/mac/drawingml/2011/main" xmlns="" val="1"/>
+              <ma14:wrappingTextBoxFlag xmlns="" xmlns:ma14="http://schemas.microsoft.com/office/mac/drawingml/2011/main" val="1"/>
             </a:ext>
           </a:extLst>
         </p:spPr>
@@ -14310,7 +14309,7 @@
           <p:cNvPr id="8" name="Picture 7">
             <a:extLst>
               <a:ext uri="{FF2B5EF4-FFF2-40B4-BE49-F238E27FC236}">
-                <a16:creationId xmlns:a16="http://schemas.microsoft.com/office/drawing/2014/main" xmlns="" id="{41BF9E5E-374B-42F0-9622-EEA334AD4351}"/>
+                <a16:creationId xmlns="" xmlns:a16="http://schemas.microsoft.com/office/drawing/2014/main" id="{41BF9E5E-374B-42F0-9622-EEA334AD4351}"/>
               </a:ext>
             </a:extLst>
           </p:cNvPr>
@@ -14451,7 +14450,7 @@
           <p:cNvPr id="9" name="Picture 8">
             <a:extLst>
               <a:ext uri="{FF2B5EF4-FFF2-40B4-BE49-F238E27FC236}">
-                <a16:creationId xmlns:a16="http://schemas.microsoft.com/office/drawing/2014/main" xmlns="" id="{CD60BB31-9892-45FB-A584-D777BFCB84F2}"/>
+                <a16:creationId xmlns="" xmlns:a16="http://schemas.microsoft.com/office/drawing/2014/main" id="{CD60BB31-9892-45FB-A584-D777BFCB84F2}"/>
               </a:ext>
             </a:extLst>
           </p:cNvPr>
@@ -14508,7 +14507,7 @@
           </a:ln>
           <a:extLst>
             <a:ext uri="{C572A759-6A51-4108-AA02-DFA0A04FC94B}">
-              <ma14:wrappingTextBoxFlag xmlns:ma14="http://schemas.microsoft.com/office/mac/drawingml/2011/main" xmlns="" val="1"/>
+              <ma14:wrappingTextBoxFlag xmlns="" xmlns:ma14="http://schemas.microsoft.com/office/mac/drawingml/2011/main" val="1"/>
             </a:ext>
           </a:extLst>
         </p:spPr>
@@ -14559,6 +14558,13 @@
   <p:clrMapOvr>
     <a:masterClrMapping/>
   </p:clrMapOvr>
+  <p:timing>
+    <p:tnLst>
+      <p:par>
+        <p:cTn id="1" dur="indefinite" restart="never" nodeType="tmRoot"/>
+      </p:par>
+    </p:tnLst>
+  </p:timing>
 </p:sld>
 </file>
 
@@ -14584,7 +14590,7 @@
           <p:cNvPr id="8" name="Picture 7">
             <a:extLst>
               <a:ext uri="{FF2B5EF4-FFF2-40B4-BE49-F238E27FC236}">
-                <a16:creationId xmlns:a16="http://schemas.microsoft.com/office/drawing/2014/main" xmlns="" id="{67658107-7170-4F86-BFD5-A53DFF769004}"/>
+                <a16:creationId xmlns="" xmlns:a16="http://schemas.microsoft.com/office/drawing/2014/main" id="{67658107-7170-4F86-BFD5-A53DFF769004}"/>
               </a:ext>
             </a:extLst>
           </p:cNvPr>
@@ -14710,7 +14716,7 @@
           <p:cNvPr id="11" name="Picture 10">
             <a:extLst>
               <a:ext uri="{FF2B5EF4-FFF2-40B4-BE49-F238E27FC236}">
-                <a16:creationId xmlns:a16="http://schemas.microsoft.com/office/drawing/2014/main" xmlns="" id="{BBE7BA81-2523-4D90-AFBE-0EDAA5483183}"/>
+                <a16:creationId xmlns="" xmlns:a16="http://schemas.microsoft.com/office/drawing/2014/main" id="{BBE7BA81-2523-4D90-AFBE-0EDAA5483183}"/>
               </a:ext>
             </a:extLst>
           </p:cNvPr>
@@ -14777,7 +14783,7 @@
           </a:ln>
           <a:extLst>
             <a:ext uri="{C572A759-6A51-4108-AA02-DFA0A04FC94B}">
-              <ma14:wrappingTextBoxFlag xmlns:ma14="http://schemas.microsoft.com/office/mac/drawingml/2011/main" xmlns="" val="1"/>
+              <ma14:wrappingTextBoxFlag xmlns="" xmlns:ma14="http://schemas.microsoft.com/office/mac/drawingml/2011/main" val="1"/>
             </a:ext>
           </a:extLst>
         </p:spPr>
@@ -14828,6 +14834,13 @@
   <p:clrMapOvr>
     <a:masterClrMapping/>
   </p:clrMapOvr>
+  <p:timing>
+    <p:tnLst>
+      <p:par>
+        <p:cTn id="1" dur="indefinite" restart="never" nodeType="tmRoot"/>
+      </p:par>
+    </p:tnLst>
+  </p:timing>
 </p:sld>
 </file>
 
@@ -14951,7 +14964,7 @@
           </a:ln>
           <a:extLst>
             <a:ext uri="{C572A759-6A51-4108-AA02-DFA0A04FC94B}">
-              <ma14:wrappingTextBoxFlag xmlns:ma14="http://schemas.microsoft.com/office/mac/drawingml/2011/main" xmlns="" val="1"/>
+              <ma14:wrappingTextBoxFlag xmlns="" xmlns:ma14="http://schemas.microsoft.com/office/mac/drawingml/2011/main" val="1"/>
             </a:ext>
           </a:extLst>
         </p:spPr>
@@ -15002,6 +15015,13 @@
   <p:clrMapOvr>
     <a:masterClrMapping/>
   </p:clrMapOvr>
+  <p:timing>
+    <p:tnLst>
+      <p:par>
+        <p:cTn id="1" dur="indefinite" restart="never" nodeType="tmRoot"/>
+      </p:par>
+    </p:tnLst>
+  </p:timing>
 </p:sld>
 </file>
 
@@ -15027,7 +15047,7 @@
           <p:cNvPr id="31" name="Group 30">
             <a:extLst>
               <a:ext uri="{FF2B5EF4-FFF2-40B4-BE49-F238E27FC236}">
-                <a16:creationId xmlns:a16="http://schemas.microsoft.com/office/drawing/2014/main" xmlns="" id="{FB160743-E405-4F83-8ABA-7DBF4B7A70B3}"/>
+                <a16:creationId xmlns="" xmlns:a16="http://schemas.microsoft.com/office/drawing/2014/main" id="{FB160743-E405-4F83-8ABA-7DBF4B7A70B3}"/>
               </a:ext>
             </a:extLst>
           </p:cNvPr>
@@ -15047,7 +15067,7 @@
             <p:cNvPr id="11" name="Rectangle 10">
               <a:extLst>
                 <a:ext uri="{FF2B5EF4-FFF2-40B4-BE49-F238E27FC236}">
-                  <a16:creationId xmlns:a16="http://schemas.microsoft.com/office/drawing/2014/main" xmlns="" id="{095E84F1-3BCB-4C8A-B592-ECE276EBBF73}"/>
+                  <a16:creationId xmlns="" xmlns:a16="http://schemas.microsoft.com/office/drawing/2014/main" id="{095E84F1-3BCB-4C8A-B592-ECE276EBBF73}"/>
                 </a:ext>
               </a:extLst>
             </p:cNvPr>
@@ -15132,7 +15152,7 @@
             <p:cNvPr id="13" name="Rectangle 12">
               <a:extLst>
                 <a:ext uri="{FF2B5EF4-FFF2-40B4-BE49-F238E27FC236}">
-                  <a16:creationId xmlns:a16="http://schemas.microsoft.com/office/drawing/2014/main" xmlns="" id="{16DBF80D-12E1-457A-B5EE-1B3B70B70665}"/>
+                  <a16:creationId xmlns="" xmlns:a16="http://schemas.microsoft.com/office/drawing/2014/main" id="{16DBF80D-12E1-457A-B5EE-1B3B70B70665}"/>
                 </a:ext>
               </a:extLst>
             </p:cNvPr>
@@ -15197,7 +15217,7 @@
             <p:cNvPr id="20" name="Picture 19">
               <a:extLst>
                 <a:ext uri="{FF2B5EF4-FFF2-40B4-BE49-F238E27FC236}">
-                  <a16:creationId xmlns:a16="http://schemas.microsoft.com/office/drawing/2014/main" xmlns="" id="{C64D0ADC-08B7-43B2-95DD-2BB4900B4331}"/>
+                  <a16:creationId xmlns="" xmlns:a16="http://schemas.microsoft.com/office/drawing/2014/main" id="{C64D0ADC-08B7-43B2-95DD-2BB4900B4331}"/>
                 </a:ext>
               </a:extLst>
             </p:cNvPr>
@@ -15241,7 +15261,7 @@
           <p:cNvPr id="34" name="Group 33">
             <a:extLst>
               <a:ext uri="{FF2B5EF4-FFF2-40B4-BE49-F238E27FC236}">
-                <a16:creationId xmlns:a16="http://schemas.microsoft.com/office/drawing/2014/main" xmlns="" id="{1CA5B3AD-2360-48BA-AC50-648B70007892}"/>
+                <a16:creationId xmlns="" xmlns:a16="http://schemas.microsoft.com/office/drawing/2014/main" id="{1CA5B3AD-2360-48BA-AC50-648B70007892}"/>
               </a:ext>
             </a:extLst>
           </p:cNvPr>
@@ -15261,7 +15281,7 @@
             <p:cNvPr id="10" name="Rectangle 9">
               <a:extLst>
                 <a:ext uri="{FF2B5EF4-FFF2-40B4-BE49-F238E27FC236}">
-                  <a16:creationId xmlns:a16="http://schemas.microsoft.com/office/drawing/2014/main" xmlns="" id="{E6944DDB-AE03-4C92-BE92-DB29F5138DF1}"/>
+                  <a16:creationId xmlns="" xmlns:a16="http://schemas.microsoft.com/office/drawing/2014/main" id="{E6944DDB-AE03-4C92-BE92-DB29F5138DF1}"/>
                 </a:ext>
               </a:extLst>
             </p:cNvPr>
@@ -15346,7 +15366,7 @@
             <p:cNvPr id="16" name="Rectangle 15">
               <a:extLst>
                 <a:ext uri="{FF2B5EF4-FFF2-40B4-BE49-F238E27FC236}">
-                  <a16:creationId xmlns:a16="http://schemas.microsoft.com/office/drawing/2014/main" xmlns="" id="{4FE6E316-5FA3-4C6B-8662-82AA74F887ED}"/>
+                  <a16:creationId xmlns="" xmlns:a16="http://schemas.microsoft.com/office/drawing/2014/main" id="{4FE6E316-5FA3-4C6B-8662-82AA74F887ED}"/>
                 </a:ext>
               </a:extLst>
             </p:cNvPr>
@@ -15411,7 +15431,7 @@
             <p:cNvPr id="22" name="Picture 21">
               <a:extLst>
                 <a:ext uri="{FF2B5EF4-FFF2-40B4-BE49-F238E27FC236}">
-                  <a16:creationId xmlns:a16="http://schemas.microsoft.com/office/drawing/2014/main" xmlns="" id="{DB85FABA-332F-40C5-B820-06EA61BF298D}"/>
+                  <a16:creationId xmlns="" xmlns:a16="http://schemas.microsoft.com/office/drawing/2014/main" id="{DB85FABA-332F-40C5-B820-06EA61BF298D}"/>
                 </a:ext>
               </a:extLst>
             </p:cNvPr>
@@ -15465,7 +15485,7 @@
           <p:cNvPr id="36" name="Group 35">
             <a:extLst>
               <a:ext uri="{FF2B5EF4-FFF2-40B4-BE49-F238E27FC236}">
-                <a16:creationId xmlns:a16="http://schemas.microsoft.com/office/drawing/2014/main" xmlns="" id="{57C49E00-C9CC-42E8-B735-F217591C3AD1}"/>
+                <a16:creationId xmlns="" xmlns:a16="http://schemas.microsoft.com/office/drawing/2014/main" id="{57C49E00-C9CC-42E8-B735-F217591C3AD1}"/>
               </a:ext>
             </a:extLst>
           </p:cNvPr>
@@ -15485,7 +15505,7 @@
             <p:cNvPr id="12" name="Rectangle 11">
               <a:extLst>
                 <a:ext uri="{FF2B5EF4-FFF2-40B4-BE49-F238E27FC236}">
-                  <a16:creationId xmlns:a16="http://schemas.microsoft.com/office/drawing/2014/main" xmlns="" id="{04A605DF-9259-44CD-853A-A9ABDD6D1369}"/>
+                  <a16:creationId xmlns="" xmlns:a16="http://schemas.microsoft.com/office/drawing/2014/main" id="{04A605DF-9259-44CD-853A-A9ABDD6D1369}"/>
                 </a:ext>
               </a:extLst>
             </p:cNvPr>
@@ -15572,7 +15592,7 @@
             <p:cNvPr id="18" name="Rectangle 17">
               <a:extLst>
                 <a:ext uri="{FF2B5EF4-FFF2-40B4-BE49-F238E27FC236}">
-                  <a16:creationId xmlns:a16="http://schemas.microsoft.com/office/drawing/2014/main" xmlns="" id="{26777098-1EA3-4BFA-9563-AD9FCA2A5254}"/>
+                  <a16:creationId xmlns="" xmlns:a16="http://schemas.microsoft.com/office/drawing/2014/main" id="{26777098-1EA3-4BFA-9563-AD9FCA2A5254}"/>
                 </a:ext>
               </a:extLst>
             </p:cNvPr>
@@ -15637,7 +15657,7 @@
             <p:cNvPr id="24" name="Picture 23">
               <a:extLst>
                 <a:ext uri="{FF2B5EF4-FFF2-40B4-BE49-F238E27FC236}">
-                  <a16:creationId xmlns:a16="http://schemas.microsoft.com/office/drawing/2014/main" xmlns="" id="{8BBBD689-96DD-4C1D-958C-EF4DCC6B887A}"/>
+                  <a16:creationId xmlns="" xmlns:a16="http://schemas.microsoft.com/office/drawing/2014/main" id="{8BBBD689-96DD-4C1D-958C-EF4DCC6B887A}"/>
                 </a:ext>
               </a:extLst>
             </p:cNvPr>
@@ -15691,7 +15711,7 @@
           <p:cNvPr id="33" name="Group 32">
             <a:extLst>
               <a:ext uri="{FF2B5EF4-FFF2-40B4-BE49-F238E27FC236}">
-                <a16:creationId xmlns:a16="http://schemas.microsoft.com/office/drawing/2014/main" xmlns="" id="{BEC1C506-48BF-4C2A-AE0B-047052505405}"/>
+                <a16:creationId xmlns="" xmlns:a16="http://schemas.microsoft.com/office/drawing/2014/main" id="{BEC1C506-48BF-4C2A-AE0B-047052505405}"/>
               </a:ext>
             </a:extLst>
           </p:cNvPr>
@@ -15711,7 +15731,7 @@
             <p:cNvPr id="8" name="Rectangle 7">
               <a:extLst>
                 <a:ext uri="{FF2B5EF4-FFF2-40B4-BE49-F238E27FC236}">
-                  <a16:creationId xmlns:a16="http://schemas.microsoft.com/office/drawing/2014/main" xmlns="" id="{BA510F71-F6AA-4479-BFE7-CDFFF63EEE97}"/>
+                  <a16:creationId xmlns="" xmlns:a16="http://schemas.microsoft.com/office/drawing/2014/main" id="{BA510F71-F6AA-4479-BFE7-CDFFF63EEE97}"/>
                 </a:ext>
               </a:extLst>
             </p:cNvPr>
@@ -15796,7 +15816,7 @@
             <p:cNvPr id="15" name="Rectangle 14">
               <a:extLst>
                 <a:ext uri="{FF2B5EF4-FFF2-40B4-BE49-F238E27FC236}">
-                  <a16:creationId xmlns:a16="http://schemas.microsoft.com/office/drawing/2014/main" xmlns="" id="{C9D54170-D5DB-46FC-AB4E-016F9A257368}"/>
+                  <a16:creationId xmlns="" xmlns:a16="http://schemas.microsoft.com/office/drawing/2014/main" id="{C9D54170-D5DB-46FC-AB4E-016F9A257368}"/>
                 </a:ext>
               </a:extLst>
             </p:cNvPr>
@@ -15861,7 +15881,7 @@
             <p:cNvPr id="26" name="Picture 25">
               <a:extLst>
                 <a:ext uri="{FF2B5EF4-FFF2-40B4-BE49-F238E27FC236}">
-                  <a16:creationId xmlns:a16="http://schemas.microsoft.com/office/drawing/2014/main" xmlns="" id="{F000C051-8E4A-4B64-BE1B-6E716B78478C}"/>
+                  <a16:creationId xmlns="" xmlns:a16="http://schemas.microsoft.com/office/drawing/2014/main" id="{F000C051-8E4A-4B64-BE1B-6E716B78478C}"/>
                 </a:ext>
               </a:extLst>
             </p:cNvPr>
@@ -15905,7 +15925,7 @@
           <p:cNvPr id="32" name="Group 31">
             <a:extLst>
               <a:ext uri="{FF2B5EF4-FFF2-40B4-BE49-F238E27FC236}">
-                <a16:creationId xmlns:a16="http://schemas.microsoft.com/office/drawing/2014/main" xmlns="" id="{71F28659-7AC6-4C6A-82DD-244AE987605E}"/>
+                <a16:creationId xmlns="" xmlns:a16="http://schemas.microsoft.com/office/drawing/2014/main" id="{71F28659-7AC6-4C6A-82DD-244AE987605E}"/>
               </a:ext>
             </a:extLst>
           </p:cNvPr>
@@ -15925,7 +15945,7 @@
             <p:cNvPr id="7" name="Rectangle 6">
               <a:extLst>
                 <a:ext uri="{FF2B5EF4-FFF2-40B4-BE49-F238E27FC236}">
-                  <a16:creationId xmlns:a16="http://schemas.microsoft.com/office/drawing/2014/main" xmlns="" id="{C4200171-3C65-43FB-98C1-3E64A19E08C9}"/>
+                  <a16:creationId xmlns="" xmlns:a16="http://schemas.microsoft.com/office/drawing/2014/main" id="{C4200171-3C65-43FB-98C1-3E64A19E08C9}"/>
                 </a:ext>
               </a:extLst>
             </p:cNvPr>
@@ -16010,7 +16030,7 @@
             <p:cNvPr id="14" name="Rectangle 13">
               <a:extLst>
                 <a:ext uri="{FF2B5EF4-FFF2-40B4-BE49-F238E27FC236}">
-                  <a16:creationId xmlns:a16="http://schemas.microsoft.com/office/drawing/2014/main" xmlns="" id="{9B0B4E0F-411F-41E5-BFF9-C0DF67B9B864}"/>
+                  <a16:creationId xmlns="" xmlns:a16="http://schemas.microsoft.com/office/drawing/2014/main" id="{9B0B4E0F-411F-41E5-BFF9-C0DF67B9B864}"/>
                 </a:ext>
               </a:extLst>
             </p:cNvPr>
@@ -16075,7 +16095,7 @@
             <p:cNvPr id="28" name="Picture 27">
               <a:extLst>
                 <a:ext uri="{FF2B5EF4-FFF2-40B4-BE49-F238E27FC236}">
-                  <a16:creationId xmlns:a16="http://schemas.microsoft.com/office/drawing/2014/main" xmlns="" id="{FB083D74-1E60-424B-A2DC-80D0656EB48E}"/>
+                  <a16:creationId xmlns="" xmlns:a16="http://schemas.microsoft.com/office/drawing/2014/main" id="{FB083D74-1E60-424B-A2DC-80D0656EB48E}"/>
                 </a:ext>
               </a:extLst>
             </p:cNvPr>
@@ -16119,7 +16139,7 @@
           <p:cNvPr id="35" name="Group 34">
             <a:extLst>
               <a:ext uri="{FF2B5EF4-FFF2-40B4-BE49-F238E27FC236}">
-                <a16:creationId xmlns:a16="http://schemas.microsoft.com/office/drawing/2014/main" xmlns="" id="{763B84E9-3C9E-4DC4-816C-006F315F6B23}"/>
+                <a16:creationId xmlns="" xmlns:a16="http://schemas.microsoft.com/office/drawing/2014/main" id="{763B84E9-3C9E-4DC4-816C-006F315F6B23}"/>
               </a:ext>
             </a:extLst>
           </p:cNvPr>
@@ -16139,7 +16159,7 @@
             <p:cNvPr id="9" name="Rectangle 8">
               <a:extLst>
                 <a:ext uri="{FF2B5EF4-FFF2-40B4-BE49-F238E27FC236}">
-                  <a16:creationId xmlns:a16="http://schemas.microsoft.com/office/drawing/2014/main" xmlns="" id="{F26A82B0-1D11-473A-9E9A-1ADD382DC379}"/>
+                  <a16:creationId xmlns="" xmlns:a16="http://schemas.microsoft.com/office/drawing/2014/main" id="{F26A82B0-1D11-473A-9E9A-1ADD382DC379}"/>
                 </a:ext>
               </a:extLst>
             </p:cNvPr>
@@ -16226,7 +16246,7 @@
             <p:cNvPr id="17" name="Rectangle 16">
               <a:extLst>
                 <a:ext uri="{FF2B5EF4-FFF2-40B4-BE49-F238E27FC236}">
-                  <a16:creationId xmlns:a16="http://schemas.microsoft.com/office/drawing/2014/main" xmlns="" id="{7424B689-0498-4D5D-961D-3870CB365C8C}"/>
+                  <a16:creationId xmlns="" xmlns:a16="http://schemas.microsoft.com/office/drawing/2014/main" id="{7424B689-0498-4D5D-961D-3870CB365C8C}"/>
                 </a:ext>
               </a:extLst>
             </p:cNvPr>
@@ -16291,7 +16311,7 @@
             <p:cNvPr id="30" name="Picture 29">
               <a:extLst>
                 <a:ext uri="{FF2B5EF4-FFF2-40B4-BE49-F238E27FC236}">
-                  <a16:creationId xmlns:a16="http://schemas.microsoft.com/office/drawing/2014/main" xmlns="" id="{7F83D811-E762-4A0A-A566-929397B7B57B}"/>
+                  <a16:creationId xmlns="" xmlns:a16="http://schemas.microsoft.com/office/drawing/2014/main" id="{7F83D811-E762-4A0A-A566-929397B7B57B}"/>
                 </a:ext>
               </a:extLst>
             </p:cNvPr>
@@ -16349,7 +16369,7 @@
           </a:ln>
           <a:extLst>
             <a:ext uri="{C572A759-6A51-4108-AA02-DFA0A04FC94B}">
-              <ma14:wrappingTextBoxFlag xmlns:ma14="http://schemas.microsoft.com/office/mac/drawingml/2011/main" xmlns="" val="1"/>
+              <ma14:wrappingTextBoxFlag xmlns="" xmlns:ma14="http://schemas.microsoft.com/office/mac/drawingml/2011/main" val="1"/>
             </a:ext>
           </a:extLst>
         </p:spPr>
@@ -16731,7 +16751,7 @@
           <p:cNvPr id="8" name="Straight Connector 7">
             <a:extLst>
               <a:ext uri="{FF2B5EF4-FFF2-40B4-BE49-F238E27FC236}">
-                <a16:creationId xmlns:a16="http://schemas.microsoft.com/office/drawing/2014/main" xmlns="" id="{7C766396-A5BD-4C61-9CBE-726F26B0F79A}"/>
+                <a16:creationId xmlns="" xmlns:a16="http://schemas.microsoft.com/office/drawing/2014/main" id="{7C766396-A5BD-4C61-9CBE-726F26B0F79A}"/>
               </a:ext>
             </a:extLst>
           </p:cNvPr>
@@ -16772,7 +16792,7 @@
           <p:cNvPr id="9" name="Straight Connector 8">
             <a:extLst>
               <a:ext uri="{FF2B5EF4-FFF2-40B4-BE49-F238E27FC236}">
-                <a16:creationId xmlns:a16="http://schemas.microsoft.com/office/drawing/2014/main" xmlns="" id="{30D1B365-4206-487C-BDEC-C2939F0C181D}"/>
+                <a16:creationId xmlns="" xmlns:a16="http://schemas.microsoft.com/office/drawing/2014/main" id="{30D1B365-4206-487C-BDEC-C2939F0C181D}"/>
               </a:ext>
             </a:extLst>
           </p:cNvPr>
@@ -16813,7 +16833,7 @@
           <p:cNvPr id="10" name="Straight Connector 9">
             <a:extLst>
               <a:ext uri="{FF2B5EF4-FFF2-40B4-BE49-F238E27FC236}">
-                <a16:creationId xmlns:a16="http://schemas.microsoft.com/office/drawing/2014/main" xmlns="" id="{2C3525A0-6CC7-4EA2-B9B0-1002AC6B0A98}"/>
+                <a16:creationId xmlns="" xmlns:a16="http://schemas.microsoft.com/office/drawing/2014/main" id="{2C3525A0-6CC7-4EA2-B9B0-1002AC6B0A98}"/>
               </a:ext>
             </a:extLst>
           </p:cNvPr>
@@ -16854,7 +16874,7 @@
           <p:cNvPr id="12" name="Rounded Rectangle 14">
             <a:extLst>
               <a:ext uri="{FF2B5EF4-FFF2-40B4-BE49-F238E27FC236}">
-                <a16:creationId xmlns:a16="http://schemas.microsoft.com/office/drawing/2014/main" xmlns="" id="{88DBDEB3-4CA8-4732-B3E4-0D5219BADBFA}"/>
+                <a16:creationId xmlns="" xmlns:a16="http://schemas.microsoft.com/office/drawing/2014/main" id="{88DBDEB3-4CA8-4732-B3E4-0D5219BADBFA}"/>
               </a:ext>
             </a:extLst>
           </p:cNvPr>
@@ -16923,7 +16943,7 @@
           <p:cNvPr id="13" name="Rounded Rectangle 15">
             <a:extLst>
               <a:ext uri="{FF2B5EF4-FFF2-40B4-BE49-F238E27FC236}">
-                <a16:creationId xmlns:a16="http://schemas.microsoft.com/office/drawing/2014/main" xmlns="" id="{637130AE-BD38-41D8-980B-5CAC6C8E02E1}"/>
+                <a16:creationId xmlns="" xmlns:a16="http://schemas.microsoft.com/office/drawing/2014/main" id="{637130AE-BD38-41D8-980B-5CAC6C8E02E1}"/>
               </a:ext>
             </a:extLst>
           </p:cNvPr>
@@ -17003,7 +17023,7 @@
           <p:cNvPr id="14" name="Rounded Rectangle 18">
             <a:extLst>
               <a:ext uri="{FF2B5EF4-FFF2-40B4-BE49-F238E27FC236}">
-                <a16:creationId xmlns:a16="http://schemas.microsoft.com/office/drawing/2014/main" xmlns="" id="{5588255B-77A6-4756-8826-AEB4CE26CC00}"/>
+                <a16:creationId xmlns="" xmlns:a16="http://schemas.microsoft.com/office/drawing/2014/main" id="{5588255B-77A6-4756-8826-AEB4CE26CC00}"/>
               </a:ext>
             </a:extLst>
           </p:cNvPr>
@@ -17072,7 +17092,7 @@
           <p:cNvPr id="17" name="Straight Connector 16">
             <a:extLst>
               <a:ext uri="{FF2B5EF4-FFF2-40B4-BE49-F238E27FC236}">
-                <a16:creationId xmlns:a16="http://schemas.microsoft.com/office/drawing/2014/main" xmlns="" id="{CA9BEF7D-22C6-4A68-BBA6-5428D0454FAD}"/>
+                <a16:creationId xmlns="" xmlns:a16="http://schemas.microsoft.com/office/drawing/2014/main" id="{CA9BEF7D-22C6-4A68-BBA6-5428D0454FAD}"/>
               </a:ext>
             </a:extLst>
           </p:cNvPr>
@@ -17113,7 +17133,7 @@
           <p:cNvPr id="18" name="Straight Connector 17">
             <a:extLst>
               <a:ext uri="{FF2B5EF4-FFF2-40B4-BE49-F238E27FC236}">
-                <a16:creationId xmlns:a16="http://schemas.microsoft.com/office/drawing/2014/main" xmlns="" id="{071BBB19-04A4-4956-8CCC-10E628B0AED0}"/>
+                <a16:creationId xmlns="" xmlns:a16="http://schemas.microsoft.com/office/drawing/2014/main" id="{071BBB19-04A4-4956-8CCC-10E628B0AED0}"/>
               </a:ext>
             </a:extLst>
           </p:cNvPr>
@@ -17154,7 +17174,7 @@
           <p:cNvPr id="19" name="Straight Connector 18">
             <a:extLst>
               <a:ext uri="{FF2B5EF4-FFF2-40B4-BE49-F238E27FC236}">
-                <a16:creationId xmlns:a16="http://schemas.microsoft.com/office/drawing/2014/main" xmlns="" id="{067E3642-9AA7-451B-B86F-16D9B49C01C6}"/>
+                <a16:creationId xmlns="" xmlns:a16="http://schemas.microsoft.com/office/drawing/2014/main" id="{067E3642-9AA7-451B-B86F-16D9B49C01C6}"/>
               </a:ext>
             </a:extLst>
           </p:cNvPr>
@@ -17195,7 +17215,7 @@
           <p:cNvPr id="21" name="Oval 20">
             <a:extLst>
               <a:ext uri="{FF2B5EF4-FFF2-40B4-BE49-F238E27FC236}">
-                <a16:creationId xmlns:a16="http://schemas.microsoft.com/office/drawing/2014/main" xmlns="" id="{6BFA3703-EB38-4E1D-BEBB-02E38E37B137}"/>
+                <a16:creationId xmlns="" xmlns:a16="http://schemas.microsoft.com/office/drawing/2014/main" id="{6BFA3703-EB38-4E1D-BEBB-02E38E37B137}"/>
               </a:ext>
             </a:extLst>
           </p:cNvPr>
@@ -17251,7 +17271,7 @@
           <p:cNvPr id="22" name="Rounded Rectangle 22">
             <a:extLst>
               <a:ext uri="{FF2B5EF4-FFF2-40B4-BE49-F238E27FC236}">
-                <a16:creationId xmlns:a16="http://schemas.microsoft.com/office/drawing/2014/main" xmlns="" id="{D08FF845-4668-419F-A9DA-58F473A2A4D6}"/>
+                <a16:creationId xmlns="" xmlns:a16="http://schemas.microsoft.com/office/drawing/2014/main" id="{D08FF845-4668-419F-A9DA-58F473A2A4D6}"/>
               </a:ext>
             </a:extLst>
           </p:cNvPr>
@@ -17318,7 +17338,7 @@
           <p:cNvPr id="23" name="Rounded Rectangle 25">
             <a:extLst>
               <a:ext uri="{FF2B5EF4-FFF2-40B4-BE49-F238E27FC236}">
-                <a16:creationId xmlns:a16="http://schemas.microsoft.com/office/drawing/2014/main" xmlns="" id="{402BAC53-0BA6-4B06-A88B-60300E49F239}"/>
+                <a16:creationId xmlns="" xmlns:a16="http://schemas.microsoft.com/office/drawing/2014/main" id="{402BAC53-0BA6-4B06-A88B-60300E49F239}"/>
               </a:ext>
             </a:extLst>
           </p:cNvPr>
@@ -17389,7 +17409,7 @@
           <p:cNvPr id="24" name="Rounded Rectangle 27">
             <a:extLst>
               <a:ext uri="{FF2B5EF4-FFF2-40B4-BE49-F238E27FC236}">
-                <a16:creationId xmlns:a16="http://schemas.microsoft.com/office/drawing/2014/main" xmlns="" id="{00417702-B669-4BA9-ABB7-30C268E5AB70}"/>
+                <a16:creationId xmlns="" xmlns:a16="http://schemas.microsoft.com/office/drawing/2014/main" id="{00417702-B669-4BA9-ABB7-30C268E5AB70}"/>
               </a:ext>
             </a:extLst>
           </p:cNvPr>
@@ -17462,7 +17482,7 @@
           <p:cNvPr id="11" name="Right Arrow 13">
             <a:extLst>
               <a:ext uri="{FF2B5EF4-FFF2-40B4-BE49-F238E27FC236}">
-                <a16:creationId xmlns:a16="http://schemas.microsoft.com/office/drawing/2014/main" xmlns="" id="{161C197C-216B-4F9D-A0B3-6F1753A38EAF}"/>
+                <a16:creationId xmlns="" xmlns:a16="http://schemas.microsoft.com/office/drawing/2014/main" id="{161C197C-216B-4F9D-A0B3-6F1753A38EAF}"/>
               </a:ext>
             </a:extLst>
           </p:cNvPr>
@@ -17551,7 +17571,7 @@
           </a:ln>
           <a:extLst>
             <a:ext uri="{C572A759-6A51-4108-AA02-DFA0A04FC94B}">
-              <ma14:wrappingTextBoxFlag xmlns:ma14="http://schemas.microsoft.com/office/mac/drawingml/2011/main" xmlns="" val="1"/>
+              <ma14:wrappingTextBoxFlag xmlns="" xmlns:ma14="http://schemas.microsoft.com/office/mac/drawingml/2011/main" val="1"/>
             </a:ext>
           </a:extLst>
         </p:spPr>
@@ -18249,7 +18269,7 @@
           <p:cNvPr id="2" name="Group 1">
             <a:extLst>
               <a:ext uri="{FF2B5EF4-FFF2-40B4-BE49-F238E27FC236}">
-                <a16:creationId xmlns:a16="http://schemas.microsoft.com/office/drawing/2014/main" xmlns="" id="{358944D5-E6E0-426C-BDAC-02AE2F4F45D6}"/>
+                <a16:creationId xmlns="" xmlns:a16="http://schemas.microsoft.com/office/drawing/2014/main" id="{358944D5-E6E0-426C-BDAC-02AE2F4F45D6}"/>
               </a:ext>
             </a:extLst>
           </p:cNvPr>
@@ -18269,7 +18289,7 @@
             <p:cNvPr id="16" name="Rectangle 15">
               <a:extLst>
                 <a:ext uri="{FF2B5EF4-FFF2-40B4-BE49-F238E27FC236}">
-                  <a16:creationId xmlns:a16="http://schemas.microsoft.com/office/drawing/2014/main" xmlns="" id="{FF7E7712-629D-4F34-973B-B103DFECF6B6}"/>
+                  <a16:creationId xmlns="" xmlns:a16="http://schemas.microsoft.com/office/drawing/2014/main" id="{FF7E7712-629D-4F34-973B-B103DFECF6B6}"/>
                 </a:ext>
               </a:extLst>
             </p:cNvPr>
@@ -18408,7 +18428,7 @@
             <p:cNvPr id="17" name="Isosceles Triangle 16">
               <a:extLst>
                 <a:ext uri="{FF2B5EF4-FFF2-40B4-BE49-F238E27FC236}">
-                  <a16:creationId xmlns:a16="http://schemas.microsoft.com/office/drawing/2014/main" xmlns="" id="{24837BE4-AB69-4EED-9217-1C485FB26B52}"/>
+                  <a16:creationId xmlns="" xmlns:a16="http://schemas.microsoft.com/office/drawing/2014/main" id="{24837BE4-AB69-4EED-9217-1C485FB26B52}"/>
                 </a:ext>
               </a:extLst>
             </p:cNvPr>
@@ -18548,7 +18568,7 @@
             <p:cNvPr id="32" name="Rectangle 31">
               <a:extLst>
                 <a:ext uri="{FF2B5EF4-FFF2-40B4-BE49-F238E27FC236}">
-                  <a16:creationId xmlns:a16="http://schemas.microsoft.com/office/drawing/2014/main" xmlns="" id="{0B3CEA82-6790-4E38-AA83-6C3693F76898}"/>
+                  <a16:creationId xmlns="" xmlns:a16="http://schemas.microsoft.com/office/drawing/2014/main" id="{0B3CEA82-6790-4E38-AA83-6C3693F76898}"/>
                 </a:ext>
               </a:extLst>
             </p:cNvPr>
@@ -18594,7 +18614,7 @@
             <p:cNvPr id="37" name="Picture 3">
               <a:extLst>
                 <a:ext uri="{FF2B5EF4-FFF2-40B4-BE49-F238E27FC236}">
-                  <a16:creationId xmlns:a16="http://schemas.microsoft.com/office/drawing/2014/main" xmlns="" id="{BB8C2F4E-1B96-4297-B3FB-4B601AF6FB4F}"/>
+                  <a16:creationId xmlns="" xmlns:a16="http://schemas.microsoft.com/office/drawing/2014/main" id="{BB8C2F4E-1B96-4297-B3FB-4B601AF6FB4F}"/>
                 </a:ext>
               </a:extLst>
             </p:cNvPr>
@@ -18655,7 +18675,7 @@
           <p:cNvPr id="3" name="Group 2">
             <a:extLst>
               <a:ext uri="{FF2B5EF4-FFF2-40B4-BE49-F238E27FC236}">
-                <a16:creationId xmlns:a16="http://schemas.microsoft.com/office/drawing/2014/main" xmlns="" id="{C227F1C4-2EFD-4405-97EF-7F5DA20200FE}"/>
+                <a16:creationId xmlns="" xmlns:a16="http://schemas.microsoft.com/office/drawing/2014/main" id="{C227F1C4-2EFD-4405-97EF-7F5DA20200FE}"/>
               </a:ext>
             </a:extLst>
           </p:cNvPr>
@@ -18675,7 +18695,7 @@
             <p:cNvPr id="15" name="Isosceles Triangle 14">
               <a:extLst>
                 <a:ext uri="{FF2B5EF4-FFF2-40B4-BE49-F238E27FC236}">
-                  <a16:creationId xmlns:a16="http://schemas.microsoft.com/office/drawing/2014/main" xmlns="" id="{76030F57-C485-41EF-B9AA-DE6E79AEEFC7}"/>
+                  <a16:creationId xmlns="" xmlns:a16="http://schemas.microsoft.com/office/drawing/2014/main" id="{76030F57-C485-41EF-B9AA-DE6E79AEEFC7}"/>
                 </a:ext>
               </a:extLst>
             </p:cNvPr>
@@ -18818,7 +18838,7 @@
             <p:cNvPr id="18" name="Rectangle 17">
               <a:extLst>
                 <a:ext uri="{FF2B5EF4-FFF2-40B4-BE49-F238E27FC236}">
-                  <a16:creationId xmlns:a16="http://schemas.microsoft.com/office/drawing/2014/main" xmlns="" id="{CCC5D03F-D17A-4CA6-98A0-42BECB27DBFE}"/>
+                  <a16:creationId xmlns="" xmlns:a16="http://schemas.microsoft.com/office/drawing/2014/main" id="{CCC5D03F-D17A-4CA6-98A0-42BECB27DBFE}"/>
                 </a:ext>
               </a:extLst>
             </p:cNvPr>
@@ -18959,7 +18979,7 @@
             <p:cNvPr id="35" name="Rectangle 34">
               <a:extLst>
                 <a:ext uri="{FF2B5EF4-FFF2-40B4-BE49-F238E27FC236}">
-                  <a16:creationId xmlns:a16="http://schemas.microsoft.com/office/drawing/2014/main" xmlns="" id="{4FA1A5CD-FB5B-4373-8F57-FACABB1E65C4}"/>
+                  <a16:creationId xmlns="" xmlns:a16="http://schemas.microsoft.com/office/drawing/2014/main" id="{4FA1A5CD-FB5B-4373-8F57-FACABB1E65C4}"/>
                 </a:ext>
               </a:extLst>
             </p:cNvPr>
@@ -19005,7 +19025,7 @@
             <p:cNvPr id="38" name="Picture 4">
               <a:extLst>
                 <a:ext uri="{FF2B5EF4-FFF2-40B4-BE49-F238E27FC236}">
-                  <a16:creationId xmlns:a16="http://schemas.microsoft.com/office/drawing/2014/main" xmlns="" id="{CB7F97A9-F7CF-47C7-A512-080CD1471B49}"/>
+                  <a16:creationId xmlns="" xmlns:a16="http://schemas.microsoft.com/office/drawing/2014/main" id="{CB7F97A9-F7CF-47C7-A512-080CD1471B49}"/>
                 </a:ext>
               </a:extLst>
             </p:cNvPr>
@@ -19066,7 +19086,7 @@
           <p:cNvPr id="4" name="Group 3">
             <a:extLst>
               <a:ext uri="{FF2B5EF4-FFF2-40B4-BE49-F238E27FC236}">
-                <a16:creationId xmlns:a16="http://schemas.microsoft.com/office/drawing/2014/main" xmlns="" id="{B4D00AE2-0D93-44D7-AC18-B59BBE6DA5D0}"/>
+                <a16:creationId xmlns="" xmlns:a16="http://schemas.microsoft.com/office/drawing/2014/main" id="{B4D00AE2-0D93-44D7-AC18-B59BBE6DA5D0}"/>
               </a:ext>
             </a:extLst>
           </p:cNvPr>
@@ -19086,7 +19106,7 @@
             <p:cNvPr id="27" name="Rectangle 26">
               <a:extLst>
                 <a:ext uri="{FF2B5EF4-FFF2-40B4-BE49-F238E27FC236}">
-                  <a16:creationId xmlns:a16="http://schemas.microsoft.com/office/drawing/2014/main" xmlns="" id="{CE301687-3A73-46CE-85F8-B428E7235286}"/>
+                  <a16:creationId xmlns="" xmlns:a16="http://schemas.microsoft.com/office/drawing/2014/main" id="{CE301687-3A73-46CE-85F8-B428E7235286}"/>
                 </a:ext>
               </a:extLst>
             </p:cNvPr>
@@ -19225,7 +19245,7 @@
             <p:cNvPr id="28" name="Isosceles Triangle 27">
               <a:extLst>
                 <a:ext uri="{FF2B5EF4-FFF2-40B4-BE49-F238E27FC236}">
-                  <a16:creationId xmlns:a16="http://schemas.microsoft.com/office/drawing/2014/main" xmlns="" id="{228D3796-E8E2-403A-89E2-B1BF6F13FFD9}"/>
+                  <a16:creationId xmlns="" xmlns:a16="http://schemas.microsoft.com/office/drawing/2014/main" id="{228D3796-E8E2-403A-89E2-B1BF6F13FFD9}"/>
                 </a:ext>
               </a:extLst>
             </p:cNvPr>
@@ -19365,7 +19385,7 @@
             <p:cNvPr id="31" name="Rectangle 30">
               <a:extLst>
                 <a:ext uri="{FF2B5EF4-FFF2-40B4-BE49-F238E27FC236}">
-                  <a16:creationId xmlns:a16="http://schemas.microsoft.com/office/drawing/2014/main" xmlns="" id="{5BB1511B-618E-4095-BC5F-F90DDDF24298}"/>
+                  <a16:creationId xmlns="" xmlns:a16="http://schemas.microsoft.com/office/drawing/2014/main" id="{5BB1511B-618E-4095-BC5F-F90DDDF24298}"/>
                 </a:ext>
               </a:extLst>
             </p:cNvPr>
@@ -19411,7 +19431,7 @@
             <p:cNvPr id="39" name="Picture 5">
               <a:extLst>
                 <a:ext uri="{FF2B5EF4-FFF2-40B4-BE49-F238E27FC236}">
-                  <a16:creationId xmlns:a16="http://schemas.microsoft.com/office/drawing/2014/main" xmlns="" id="{390B8317-2B7E-4209-B9B8-059874E5F7D6}"/>
+                  <a16:creationId xmlns="" xmlns:a16="http://schemas.microsoft.com/office/drawing/2014/main" id="{390B8317-2B7E-4209-B9B8-059874E5F7D6}"/>
                 </a:ext>
               </a:extLst>
             </p:cNvPr>
@@ -19472,7 +19492,7 @@
           <p:cNvPr id="41" name="Group 40">
             <a:extLst>
               <a:ext uri="{FF2B5EF4-FFF2-40B4-BE49-F238E27FC236}">
-                <a16:creationId xmlns:a16="http://schemas.microsoft.com/office/drawing/2014/main" xmlns="" id="{D9D506D0-1159-4D6B-BE1A-F3BD906B878C}"/>
+                <a16:creationId xmlns="" xmlns:a16="http://schemas.microsoft.com/office/drawing/2014/main" id="{D9D506D0-1159-4D6B-BE1A-F3BD906B878C}"/>
               </a:ext>
             </a:extLst>
           </p:cNvPr>
@@ -19492,7 +19512,7 @@
             <p:cNvPr id="20" name="Isosceles Triangle 19">
               <a:extLst>
                 <a:ext uri="{FF2B5EF4-FFF2-40B4-BE49-F238E27FC236}">
-                  <a16:creationId xmlns:a16="http://schemas.microsoft.com/office/drawing/2014/main" xmlns="" id="{A6D26F3B-BEA2-4DE3-8E0B-1400CAB0B6DF}"/>
+                  <a16:creationId xmlns="" xmlns:a16="http://schemas.microsoft.com/office/drawing/2014/main" id="{A6D26F3B-BEA2-4DE3-8E0B-1400CAB0B6DF}"/>
                 </a:ext>
               </a:extLst>
             </p:cNvPr>
@@ -19635,7 +19655,7 @@
             <p:cNvPr id="21" name="Rectangle 20">
               <a:extLst>
                 <a:ext uri="{FF2B5EF4-FFF2-40B4-BE49-F238E27FC236}">
-                  <a16:creationId xmlns:a16="http://schemas.microsoft.com/office/drawing/2014/main" xmlns="" id="{32DC33B7-3472-4BF9-9659-FE69769FE436}"/>
+                  <a16:creationId xmlns="" xmlns:a16="http://schemas.microsoft.com/office/drawing/2014/main" id="{32DC33B7-3472-4BF9-9659-FE69769FE436}"/>
                 </a:ext>
               </a:extLst>
             </p:cNvPr>
@@ -19776,7 +19796,7 @@
             <p:cNvPr id="23" name="Rectangle 22">
               <a:extLst>
                 <a:ext uri="{FF2B5EF4-FFF2-40B4-BE49-F238E27FC236}">
-                  <a16:creationId xmlns:a16="http://schemas.microsoft.com/office/drawing/2014/main" xmlns="" id="{BDF6660C-008B-4EB2-B968-95C58B866F38}"/>
+                  <a16:creationId xmlns="" xmlns:a16="http://schemas.microsoft.com/office/drawing/2014/main" id="{BDF6660C-008B-4EB2-B968-95C58B866F38}"/>
                 </a:ext>
               </a:extLst>
             </p:cNvPr>
@@ -19822,7 +19842,7 @@
             <p:cNvPr id="40" name="Picture 6">
               <a:extLst>
                 <a:ext uri="{FF2B5EF4-FFF2-40B4-BE49-F238E27FC236}">
-                  <a16:creationId xmlns:a16="http://schemas.microsoft.com/office/drawing/2014/main" xmlns="" id="{0E316633-6201-450E-9200-A4462B189CD8}"/>
+                  <a16:creationId xmlns="" xmlns:a16="http://schemas.microsoft.com/office/drawing/2014/main" id="{0E316633-6201-450E-9200-A4462B189CD8}"/>
                 </a:ext>
               </a:extLst>
             </p:cNvPr>
@@ -19897,7 +19917,7 @@
           </a:ln>
           <a:extLst>
             <a:ext uri="{C572A759-6A51-4108-AA02-DFA0A04FC94B}">
-              <ma14:wrappingTextBoxFlag xmlns:ma14="http://schemas.microsoft.com/office/mac/drawingml/2011/main" xmlns="" val="1"/>
+              <ma14:wrappingTextBoxFlag xmlns="" xmlns:ma14="http://schemas.microsoft.com/office/mac/drawingml/2011/main" val="1"/>
             </a:ext>
           </a:extLst>
         </p:spPr>
@@ -20262,6 +20282,13 @@
       <p:transition/>
     </mc:Fallback>
   </mc:AlternateContent>
+  <p:timing>
+    <p:tnLst>
+      <p:par>
+        <p:cTn id="1" dur="indefinite" restart="never" nodeType="tmRoot"/>
+      </p:par>
+    </p:tnLst>
+  </p:timing>
 </p:sld>
 </file>
 
@@ -20295,7 +20322,7 @@
           <p:cNvPr id="14" name="Picture 13">
             <a:extLst>
               <a:ext uri="{FF2B5EF4-FFF2-40B4-BE49-F238E27FC236}">
-                <a16:creationId xmlns:a16="http://schemas.microsoft.com/office/drawing/2014/main" xmlns="" id="{19220748-88A1-4422-837F-74F632797289}"/>
+                <a16:creationId xmlns="" xmlns:a16="http://schemas.microsoft.com/office/drawing/2014/main" id="{19220748-88A1-4422-837F-74F632797289}"/>
               </a:ext>
             </a:extLst>
           </p:cNvPr>
@@ -20331,7 +20358,7 @@
           <p:cNvPr id="15" name="Content Placeholder 2">
             <a:extLst>
               <a:ext uri="{FF2B5EF4-FFF2-40B4-BE49-F238E27FC236}">
-                <a16:creationId xmlns:a16="http://schemas.microsoft.com/office/drawing/2014/main" xmlns="" id="{4ADECE9B-1392-479C-A1B4-3D15B3C96D27}"/>
+                <a16:creationId xmlns="" xmlns:a16="http://schemas.microsoft.com/office/drawing/2014/main" id="{4ADECE9B-1392-479C-A1B4-3D15B3C96D27}"/>
               </a:ext>
             </a:extLst>
           </p:cNvPr>
@@ -20779,7 +20806,7 @@
           </a:ln>
           <a:extLst>
             <a:ext uri="{C572A759-6A51-4108-AA02-DFA0A04FC94B}">
-              <ma14:wrappingTextBoxFlag xmlns:ma14="http://schemas.microsoft.com/office/mac/drawingml/2011/main" xmlns="" val="1"/>
+              <ma14:wrappingTextBoxFlag xmlns="" xmlns:ma14="http://schemas.microsoft.com/office/mac/drawingml/2011/main" val="1"/>
             </a:ext>
           </a:extLst>
         </p:spPr>
@@ -21247,7 +21274,7 @@
           <p:cNvPr id="6" name="Rectangle 5">
             <a:extLst>
               <a:ext uri="{FF2B5EF4-FFF2-40B4-BE49-F238E27FC236}">
-                <a16:creationId xmlns:a16="http://schemas.microsoft.com/office/drawing/2014/main" xmlns="" id="{6675AF76-FC57-4249-8B73-98C016671FD9}"/>
+                <a16:creationId xmlns="" xmlns:a16="http://schemas.microsoft.com/office/drawing/2014/main" id="{6675AF76-FC57-4249-8B73-98C016671FD9}"/>
               </a:ext>
             </a:extLst>
           </p:cNvPr>
@@ -21420,7 +21447,7 @@
           <p:cNvPr id="7" name="Rectangle 6">
             <a:extLst>
               <a:ext uri="{FF2B5EF4-FFF2-40B4-BE49-F238E27FC236}">
-                <a16:creationId xmlns:a16="http://schemas.microsoft.com/office/drawing/2014/main" xmlns="" id="{917B72D9-7921-4DA6-8D9A-3E1B8A29FE7A}"/>
+                <a16:creationId xmlns="" xmlns:a16="http://schemas.microsoft.com/office/drawing/2014/main" id="{917B72D9-7921-4DA6-8D9A-3E1B8A29FE7A}"/>
               </a:ext>
             </a:extLst>
           </p:cNvPr>
@@ -21566,7 +21593,7 @@
           <p:cNvPr id="8" name="Rectangle 34">
             <a:extLst>
               <a:ext uri="{FF2B5EF4-FFF2-40B4-BE49-F238E27FC236}">
-                <a16:creationId xmlns:a16="http://schemas.microsoft.com/office/drawing/2014/main" xmlns="" id="{EC193550-2204-4C8F-81FA-1F83DFF11FB9}"/>
+                <a16:creationId xmlns="" xmlns:a16="http://schemas.microsoft.com/office/drawing/2014/main" id="{EC193550-2204-4C8F-81FA-1F83DFF11FB9}"/>
               </a:ext>
             </a:extLst>
           </p:cNvPr>
@@ -21621,7 +21648,7 @@
           <p:cNvPr id="9" name="Rectangle 34">
             <a:extLst>
               <a:ext uri="{FF2B5EF4-FFF2-40B4-BE49-F238E27FC236}">
-                <a16:creationId xmlns:a16="http://schemas.microsoft.com/office/drawing/2014/main" xmlns="" id="{55FC8E63-DF89-4DF8-A617-AC9B1141FF28}"/>
+                <a16:creationId xmlns="" xmlns:a16="http://schemas.microsoft.com/office/drawing/2014/main" id="{55FC8E63-DF89-4DF8-A617-AC9B1141FF28}"/>
               </a:ext>
             </a:extLst>
           </p:cNvPr>
@@ -21676,7 +21703,7 @@
           <p:cNvPr id="10" name="Rectangle 34">
             <a:extLst>
               <a:ext uri="{FF2B5EF4-FFF2-40B4-BE49-F238E27FC236}">
-                <a16:creationId xmlns:a16="http://schemas.microsoft.com/office/drawing/2014/main" xmlns="" id="{49960A85-7935-4412-8C11-D92AE2C77A9A}"/>
+                <a16:creationId xmlns="" xmlns:a16="http://schemas.microsoft.com/office/drawing/2014/main" id="{49960A85-7935-4412-8C11-D92AE2C77A9A}"/>
               </a:ext>
             </a:extLst>
           </p:cNvPr>
@@ -21728,7 +21755,7 @@
           <p:cNvPr id="11" name="Rectangle 10">
             <a:extLst>
               <a:ext uri="{FF2B5EF4-FFF2-40B4-BE49-F238E27FC236}">
-                <a16:creationId xmlns:a16="http://schemas.microsoft.com/office/drawing/2014/main" xmlns="" id="{944A00CD-C209-41C4-B3F6-0753122157BB}"/>
+                <a16:creationId xmlns="" xmlns:a16="http://schemas.microsoft.com/office/drawing/2014/main" id="{944A00CD-C209-41C4-B3F6-0753122157BB}"/>
               </a:ext>
             </a:extLst>
           </p:cNvPr>
@@ -21872,7 +21899,7 @@
           <p:cNvPr id="12" name="Rounded Rectangle 5">
             <a:extLst>
               <a:ext uri="{FF2B5EF4-FFF2-40B4-BE49-F238E27FC236}">
-                <a16:creationId xmlns:a16="http://schemas.microsoft.com/office/drawing/2014/main" xmlns="" id="{2B65B685-B258-425D-A6E5-C08892423EEB}"/>
+                <a16:creationId xmlns="" xmlns:a16="http://schemas.microsoft.com/office/drawing/2014/main" id="{2B65B685-B258-425D-A6E5-C08892423EEB}"/>
               </a:ext>
             </a:extLst>
           </p:cNvPr>
@@ -21949,7 +21976,7 @@
           <p:cNvPr id="13" name="Rounded Rectangle 6">
             <a:extLst>
               <a:ext uri="{FF2B5EF4-FFF2-40B4-BE49-F238E27FC236}">
-                <a16:creationId xmlns:a16="http://schemas.microsoft.com/office/drawing/2014/main" xmlns="" id="{855A9F11-251E-454E-A3A8-2DBE6B72376D}"/>
+                <a16:creationId xmlns="" xmlns:a16="http://schemas.microsoft.com/office/drawing/2014/main" id="{855A9F11-251E-454E-A3A8-2DBE6B72376D}"/>
               </a:ext>
             </a:extLst>
           </p:cNvPr>
@@ -22026,7 +22053,7 @@
           <p:cNvPr id="14" name="Rounded Rectangle 5">
             <a:extLst>
               <a:ext uri="{FF2B5EF4-FFF2-40B4-BE49-F238E27FC236}">
-                <a16:creationId xmlns:a16="http://schemas.microsoft.com/office/drawing/2014/main" xmlns="" id="{9EBF514A-EA0C-4CBC-A545-46C5E9720EB6}"/>
+                <a16:creationId xmlns="" xmlns:a16="http://schemas.microsoft.com/office/drawing/2014/main" id="{9EBF514A-EA0C-4CBC-A545-46C5E9720EB6}"/>
               </a:ext>
             </a:extLst>
           </p:cNvPr>
@@ -22103,7 +22130,7 @@
           <p:cNvPr id="15" name="Rounded Rectangle 6">
             <a:extLst>
               <a:ext uri="{FF2B5EF4-FFF2-40B4-BE49-F238E27FC236}">
-                <a16:creationId xmlns:a16="http://schemas.microsoft.com/office/drawing/2014/main" xmlns="" id="{0D7BCA26-54AB-4F2E-B749-B401E430362D}"/>
+                <a16:creationId xmlns="" xmlns:a16="http://schemas.microsoft.com/office/drawing/2014/main" id="{0D7BCA26-54AB-4F2E-B749-B401E430362D}"/>
               </a:ext>
             </a:extLst>
           </p:cNvPr>
@@ -22204,7 +22231,7 @@
           <p:cNvPr id="16" name="Rectangle 15">
             <a:extLst>
               <a:ext uri="{FF2B5EF4-FFF2-40B4-BE49-F238E27FC236}">
-                <a16:creationId xmlns:a16="http://schemas.microsoft.com/office/drawing/2014/main" xmlns="" id="{5F71A8F7-0FDB-44C6-8E12-9658C8CE05E5}"/>
+                <a16:creationId xmlns="" xmlns:a16="http://schemas.microsoft.com/office/drawing/2014/main" id="{5F71A8F7-0FDB-44C6-8E12-9658C8CE05E5}"/>
               </a:ext>
             </a:extLst>
           </p:cNvPr>
@@ -22361,7 +22388,7 @@
           </a:ln>
           <a:extLst>
             <a:ext uri="{C572A759-6A51-4108-AA02-DFA0A04FC94B}">
-              <ma14:wrappingTextBoxFlag xmlns:ma14="http://schemas.microsoft.com/office/mac/drawingml/2011/main" xmlns="" val="1"/>
+              <ma14:wrappingTextBoxFlag xmlns="" xmlns:ma14="http://schemas.microsoft.com/office/mac/drawingml/2011/main" val="1"/>
             </a:ext>
           </a:extLst>
         </p:spPr>
@@ -23327,7 +23354,7 @@
           <p:cNvPr id="6" name="Rectangle 5">
             <a:extLst>
               <a:ext uri="{FF2B5EF4-FFF2-40B4-BE49-F238E27FC236}">
-                <a16:creationId xmlns:a16="http://schemas.microsoft.com/office/drawing/2014/main" xmlns="" id="{9F31035D-DCE3-4961-899A-AF173ED8D071}"/>
+                <a16:creationId xmlns="" xmlns:a16="http://schemas.microsoft.com/office/drawing/2014/main" id="{9F31035D-DCE3-4961-899A-AF173ED8D071}"/>
               </a:ext>
             </a:extLst>
           </p:cNvPr>
@@ -23500,7 +23527,7 @@
           </a:ln>
           <a:extLst>
             <a:ext uri="{C572A759-6A51-4108-AA02-DFA0A04FC94B}">
-              <ma14:wrappingTextBoxFlag xmlns:ma14="http://schemas.microsoft.com/office/mac/drawingml/2011/main" xmlns="" val="1"/>
+              <ma14:wrappingTextBoxFlag xmlns="" xmlns:ma14="http://schemas.microsoft.com/office/mac/drawingml/2011/main" val="1"/>
             </a:ext>
           </a:extLst>
         </p:spPr>
@@ -23551,6 +23578,13 @@
   <p:clrMapOvr>
     <a:masterClrMapping/>
   </p:clrMapOvr>
+  <p:timing>
+    <p:tnLst>
+      <p:par>
+        <p:cTn id="1" dur="indefinite" restart="never" nodeType="tmRoot"/>
+      </p:par>
+    </p:tnLst>
+  </p:timing>
 </p:sld>
 </file>
 
@@ -23576,7 +23610,7 @@
           <p:cNvPr id="2" name="Group 1">
             <a:extLst>
               <a:ext uri="{FF2B5EF4-FFF2-40B4-BE49-F238E27FC236}">
-                <a16:creationId xmlns:a16="http://schemas.microsoft.com/office/drawing/2014/main" xmlns="" id="{F2F5443A-5B11-496F-80CB-6A8ED7F348B7}"/>
+                <a16:creationId xmlns="" xmlns:a16="http://schemas.microsoft.com/office/drawing/2014/main" id="{F2F5443A-5B11-496F-80CB-6A8ED7F348B7}"/>
               </a:ext>
             </a:extLst>
           </p:cNvPr>
@@ -24830,7 +24864,7 @@
           </a:ln>
           <a:extLst>
             <a:ext uri="{C572A759-6A51-4108-AA02-DFA0A04FC94B}">
-              <ma14:wrappingTextBoxFlag xmlns:ma14="http://schemas.microsoft.com/office/mac/drawingml/2011/main" xmlns="" val="1"/>
+              <ma14:wrappingTextBoxFlag xmlns="" xmlns:ma14="http://schemas.microsoft.com/office/mac/drawingml/2011/main" val="1"/>
             </a:ext>
           </a:extLst>
         </p:spPr>
@@ -24880,6 +24914,13 @@
   <p:clrMapOvr>
     <a:masterClrMapping/>
   </p:clrMapOvr>
+  <p:timing>
+    <p:tnLst>
+      <p:par>
+        <p:cTn id="1" dur="indefinite" restart="never" nodeType="tmRoot"/>
+      </p:par>
+    </p:tnLst>
+  </p:timing>
 </p:sld>
 </file>
 
@@ -24905,7 +24946,7 @@
           <p:cNvPr id="5" name="Rectangle 4">
             <a:extLst>
               <a:ext uri="{FF2B5EF4-FFF2-40B4-BE49-F238E27FC236}">
-                <a16:creationId xmlns:a16="http://schemas.microsoft.com/office/drawing/2014/main" xmlns="" id="{26CF270C-9B22-484E-8609-E2A3DE40B744}"/>
+                <a16:creationId xmlns="" xmlns:a16="http://schemas.microsoft.com/office/drawing/2014/main" id="{26CF270C-9B22-484E-8609-E2A3DE40B744}"/>
               </a:ext>
             </a:extLst>
           </p:cNvPr>
@@ -25080,7 +25121,7 @@
           <p:cNvPr id="26" name="Group 25">
             <a:extLst>
               <a:ext uri="{FF2B5EF4-FFF2-40B4-BE49-F238E27FC236}">
-                <a16:creationId xmlns:a16="http://schemas.microsoft.com/office/drawing/2014/main" xmlns="" id="{C45E7519-10E3-4602-9AF6-C1A92CDCFEF3}"/>
+                <a16:creationId xmlns="" xmlns:a16="http://schemas.microsoft.com/office/drawing/2014/main" id="{C45E7519-10E3-4602-9AF6-C1A92CDCFEF3}"/>
               </a:ext>
             </a:extLst>
           </p:cNvPr>
@@ -25100,7 +25141,7 @@
             <p:cNvPr id="14" name="Group 13">
               <a:extLst>
                 <a:ext uri="{FF2B5EF4-FFF2-40B4-BE49-F238E27FC236}">
-                  <a16:creationId xmlns:a16="http://schemas.microsoft.com/office/drawing/2014/main" xmlns="" id="{5EB907C7-7829-425E-93C7-827631D4CC8F}"/>
+                  <a16:creationId xmlns="" xmlns:a16="http://schemas.microsoft.com/office/drawing/2014/main" id="{5EB907C7-7829-425E-93C7-827631D4CC8F}"/>
                 </a:ext>
               </a:extLst>
             </p:cNvPr>
@@ -25120,7 +25161,7 @@
               <p:cNvPr id="10" name="Picture 9">
                 <a:extLst>
                   <a:ext uri="{FF2B5EF4-FFF2-40B4-BE49-F238E27FC236}">
-                    <a16:creationId xmlns:a16="http://schemas.microsoft.com/office/drawing/2014/main" xmlns="" id="{B9E019D1-9C57-4EC0-ABFD-F7414230776B}"/>
+                    <a16:creationId xmlns="" xmlns:a16="http://schemas.microsoft.com/office/drawing/2014/main" id="{B9E019D1-9C57-4EC0-ABFD-F7414230776B}"/>
                   </a:ext>
                 </a:extLst>
               </p:cNvPr>
@@ -25156,7 +25197,7 @@
               <p:cNvPr id="11" name="Picture 10">
                 <a:extLst>
                   <a:ext uri="{FF2B5EF4-FFF2-40B4-BE49-F238E27FC236}">
-                    <a16:creationId xmlns:a16="http://schemas.microsoft.com/office/drawing/2014/main" xmlns="" id="{B8C8B9DD-B960-48B1-BE8F-EEF8B695DB99}"/>
+                    <a16:creationId xmlns="" xmlns:a16="http://schemas.microsoft.com/office/drawing/2014/main" id="{B8C8B9DD-B960-48B1-BE8F-EEF8B695DB99}"/>
                   </a:ext>
                 </a:extLst>
               </p:cNvPr>
@@ -25192,7 +25233,7 @@
               <p:cNvPr id="13" name="Picture 12">
                 <a:extLst>
                   <a:ext uri="{FF2B5EF4-FFF2-40B4-BE49-F238E27FC236}">
-                    <a16:creationId xmlns:a16="http://schemas.microsoft.com/office/drawing/2014/main" xmlns="" id="{3CE63904-FF90-4A71-BDD9-7B90CC1D1D44}"/>
+                    <a16:creationId xmlns="" xmlns:a16="http://schemas.microsoft.com/office/drawing/2014/main" id="{3CE63904-FF90-4A71-BDD9-7B90CC1D1D44}"/>
                   </a:ext>
                 </a:extLst>
               </p:cNvPr>
@@ -25229,7 +25270,7 @@
             <p:cNvPr id="16" name="Picture 15">
               <a:extLst>
                 <a:ext uri="{FF2B5EF4-FFF2-40B4-BE49-F238E27FC236}">
-                  <a16:creationId xmlns:a16="http://schemas.microsoft.com/office/drawing/2014/main" xmlns="" id="{DC56399E-0675-4DF4-BA06-9F6072459C71}"/>
+                  <a16:creationId xmlns="" xmlns:a16="http://schemas.microsoft.com/office/drawing/2014/main" id="{DC56399E-0675-4DF4-BA06-9F6072459C71}"/>
                 </a:ext>
               </a:extLst>
             </p:cNvPr>
@@ -25265,7 +25306,7 @@
             <p:cNvPr id="18" name="Picture 17">
               <a:extLst>
                 <a:ext uri="{FF2B5EF4-FFF2-40B4-BE49-F238E27FC236}">
-                  <a16:creationId xmlns:a16="http://schemas.microsoft.com/office/drawing/2014/main" xmlns="" id="{BA7E1819-798D-4572-8B5F-D0926E6F7AA0}"/>
+                  <a16:creationId xmlns="" xmlns:a16="http://schemas.microsoft.com/office/drawing/2014/main" id="{BA7E1819-798D-4572-8B5F-D0926E6F7AA0}"/>
                 </a:ext>
               </a:extLst>
             </p:cNvPr>
@@ -25300,7 +25341,7 @@
             <p:cNvPr id="19" name="Picture 18">
               <a:extLst>
                 <a:ext uri="{FF2B5EF4-FFF2-40B4-BE49-F238E27FC236}">
-                  <a16:creationId xmlns:a16="http://schemas.microsoft.com/office/drawing/2014/main" xmlns="" id="{567D1012-2898-4EFC-B314-A4A8612335F3}"/>
+                  <a16:creationId xmlns="" xmlns:a16="http://schemas.microsoft.com/office/drawing/2014/main" id="{567D1012-2898-4EFC-B314-A4A8612335F3}"/>
                 </a:ext>
               </a:extLst>
             </p:cNvPr>
@@ -25335,7 +25376,7 @@
             <p:cNvPr id="20" name="Picture 19">
               <a:extLst>
                 <a:ext uri="{FF2B5EF4-FFF2-40B4-BE49-F238E27FC236}">
-                  <a16:creationId xmlns:a16="http://schemas.microsoft.com/office/drawing/2014/main" xmlns="" id="{299313B3-F826-4BE5-B999-8484239060FB}"/>
+                  <a16:creationId xmlns="" xmlns:a16="http://schemas.microsoft.com/office/drawing/2014/main" id="{299313B3-F826-4BE5-B999-8484239060FB}"/>
                 </a:ext>
               </a:extLst>
             </p:cNvPr>
@@ -25370,7 +25411,7 @@
             <p:cNvPr id="21" name="Picture 20">
               <a:extLst>
                 <a:ext uri="{FF2B5EF4-FFF2-40B4-BE49-F238E27FC236}">
-                  <a16:creationId xmlns:a16="http://schemas.microsoft.com/office/drawing/2014/main" xmlns="" id="{15AC3FF8-C741-444B-9482-0D20E4B2A28D}"/>
+                  <a16:creationId xmlns="" xmlns:a16="http://schemas.microsoft.com/office/drawing/2014/main" id="{15AC3FF8-C741-444B-9482-0D20E4B2A28D}"/>
                 </a:ext>
               </a:extLst>
             </p:cNvPr>
@@ -25405,7 +25446,7 @@
             <p:cNvPr id="22" name="Picture 21">
               <a:extLst>
                 <a:ext uri="{FF2B5EF4-FFF2-40B4-BE49-F238E27FC236}">
-                  <a16:creationId xmlns:a16="http://schemas.microsoft.com/office/drawing/2014/main" xmlns="" id="{F9B40566-0601-46F1-87A8-E203848F615F}"/>
+                  <a16:creationId xmlns="" xmlns:a16="http://schemas.microsoft.com/office/drawing/2014/main" id="{F9B40566-0601-46F1-87A8-E203848F615F}"/>
                 </a:ext>
               </a:extLst>
             </p:cNvPr>
@@ -25441,7 +25482,7 @@
             <p:cNvPr id="23" name="Picture 22">
               <a:extLst>
                 <a:ext uri="{FF2B5EF4-FFF2-40B4-BE49-F238E27FC236}">
-                  <a16:creationId xmlns:a16="http://schemas.microsoft.com/office/drawing/2014/main" xmlns="" id="{1894A4BE-E273-418D-9E90-6E3F8FFBD3FF}"/>
+                  <a16:creationId xmlns="" xmlns:a16="http://schemas.microsoft.com/office/drawing/2014/main" id="{1894A4BE-E273-418D-9E90-6E3F8FFBD3FF}"/>
                 </a:ext>
               </a:extLst>
             </p:cNvPr>
@@ -25476,7 +25517,7 @@
             <p:cNvPr id="24" name="Picture 23">
               <a:extLst>
                 <a:ext uri="{FF2B5EF4-FFF2-40B4-BE49-F238E27FC236}">
-                  <a16:creationId xmlns:a16="http://schemas.microsoft.com/office/drawing/2014/main" xmlns="" id="{F3512FB0-DF93-4DB0-A59E-C8FD092588C0}"/>
+                  <a16:creationId xmlns="" xmlns:a16="http://schemas.microsoft.com/office/drawing/2014/main" id="{F3512FB0-DF93-4DB0-A59E-C8FD092588C0}"/>
                 </a:ext>
               </a:extLst>
             </p:cNvPr>
@@ -25511,7 +25552,7 @@
             <p:cNvPr id="25" name="Picture 24">
               <a:extLst>
                 <a:ext uri="{FF2B5EF4-FFF2-40B4-BE49-F238E27FC236}">
-                  <a16:creationId xmlns:a16="http://schemas.microsoft.com/office/drawing/2014/main" xmlns="" id="{C549E7F8-C753-4D8C-8B14-013C0787011F}"/>
+                  <a16:creationId xmlns="" xmlns:a16="http://schemas.microsoft.com/office/drawing/2014/main" id="{C549E7F8-C753-4D8C-8B14-013C0787011F}"/>
                 </a:ext>
               </a:extLst>
             </p:cNvPr>
@@ -25547,7 +25588,7 @@
           <p:cNvPr id="28" name="Rectangle: Rounded Corners 27">
             <a:extLst>
               <a:ext uri="{FF2B5EF4-FFF2-40B4-BE49-F238E27FC236}">
-                <a16:creationId xmlns:a16="http://schemas.microsoft.com/office/drawing/2014/main" xmlns="" id="{4BFDA2AC-B551-42E3-A2B3-5F17E4941EF6}"/>
+                <a16:creationId xmlns="" xmlns:a16="http://schemas.microsoft.com/office/drawing/2014/main" id="{4BFDA2AC-B551-42E3-A2B3-5F17E4941EF6}"/>
               </a:ext>
             </a:extLst>
           </p:cNvPr>
@@ -25598,7 +25639,7 @@
           <p:cNvPr id="29" name="Arrow: Right 28">
             <a:extLst>
               <a:ext uri="{FF2B5EF4-FFF2-40B4-BE49-F238E27FC236}">
-                <a16:creationId xmlns:a16="http://schemas.microsoft.com/office/drawing/2014/main" xmlns="" id="{302B9E00-938E-4BA3-BE0E-CB78B19D1DF5}"/>
+                <a16:creationId xmlns="" xmlns:a16="http://schemas.microsoft.com/office/drawing/2014/main" id="{302B9E00-938E-4BA3-BE0E-CB78B19D1DF5}"/>
               </a:ext>
             </a:extLst>
           </p:cNvPr>
@@ -25648,7 +25689,7 @@
           <p:cNvPr id="30" name="Rectangle 29">
             <a:extLst>
               <a:ext uri="{FF2B5EF4-FFF2-40B4-BE49-F238E27FC236}">
-                <a16:creationId xmlns:a16="http://schemas.microsoft.com/office/drawing/2014/main" xmlns="" id="{DA69D419-4F0C-4E76-99AB-1BA21BA38536}"/>
+                <a16:creationId xmlns="" xmlns:a16="http://schemas.microsoft.com/office/drawing/2014/main" id="{DA69D419-4F0C-4E76-99AB-1BA21BA38536}"/>
               </a:ext>
             </a:extLst>
           </p:cNvPr>
@@ -25709,7 +25750,7 @@
           <p:cNvPr id="32" name="Straight Connector 31">
             <a:extLst>
               <a:ext uri="{FF2B5EF4-FFF2-40B4-BE49-F238E27FC236}">
-                <a16:creationId xmlns:a16="http://schemas.microsoft.com/office/drawing/2014/main" xmlns="" id="{D91FFBB3-66E8-4FF6-A941-B00A21D75DD6}"/>
+                <a16:creationId xmlns="" xmlns:a16="http://schemas.microsoft.com/office/drawing/2014/main" id="{D91FFBB3-66E8-4FF6-A941-B00A21D75DD6}"/>
               </a:ext>
             </a:extLst>
           </p:cNvPr>
@@ -25741,7 +25782,7 @@
           <p:cNvPr id="33" name="Straight Connector 32">
             <a:extLst>
               <a:ext uri="{FF2B5EF4-FFF2-40B4-BE49-F238E27FC236}">
-                <a16:creationId xmlns:a16="http://schemas.microsoft.com/office/drawing/2014/main" xmlns="" id="{3A13C53D-32F5-4740-B148-C0FDD1DA7F34}"/>
+                <a16:creationId xmlns="" xmlns:a16="http://schemas.microsoft.com/office/drawing/2014/main" id="{3A13C53D-32F5-4740-B148-C0FDD1DA7F34}"/>
               </a:ext>
             </a:extLst>
           </p:cNvPr>
@@ -25787,7 +25828,7 @@
           </a:ln>
           <a:extLst>
             <a:ext uri="{C572A759-6A51-4108-AA02-DFA0A04FC94B}">
-              <ma14:wrappingTextBoxFlag xmlns:ma14="http://schemas.microsoft.com/office/mac/drawingml/2011/main" xmlns="" val="1"/>
+              <ma14:wrappingTextBoxFlag xmlns="" xmlns:ma14="http://schemas.microsoft.com/office/mac/drawingml/2011/main" val="1"/>
             </a:ext>
           </a:extLst>
         </p:spPr>
@@ -26387,7 +26428,7 @@
           <p:cNvPr id="7" name="Rectangle 6">
             <a:extLst>
               <a:ext uri="{FF2B5EF4-FFF2-40B4-BE49-F238E27FC236}">
-                <a16:creationId xmlns:a16="http://schemas.microsoft.com/office/drawing/2014/main" xmlns="" id="{2C0C3F69-5A1D-4710-878C-99D5046A348E}"/>
+                <a16:creationId xmlns="" xmlns:a16="http://schemas.microsoft.com/office/drawing/2014/main" id="{2C0C3F69-5A1D-4710-878C-99D5046A348E}"/>
               </a:ext>
             </a:extLst>
           </p:cNvPr>
@@ -26560,7 +26601,7 @@
           </a:ln>
           <a:extLst>
             <a:ext uri="{C572A759-6A51-4108-AA02-DFA0A04FC94B}">
-              <ma14:wrappingTextBoxFlag xmlns:ma14="http://schemas.microsoft.com/office/mac/drawingml/2011/main" xmlns="" val="1"/>
+              <ma14:wrappingTextBoxFlag xmlns="" xmlns:ma14="http://schemas.microsoft.com/office/mac/drawingml/2011/main" val="1"/>
             </a:ext>
           </a:extLst>
         </p:spPr>
@@ -26777,6 +26818,13 @@
       <p:transition/>
     </mc:Fallback>
   </mc:AlternateContent>
+  <p:timing>
+    <p:tnLst>
+      <p:par>
+        <p:cTn id="1" dur="indefinite" restart="never" nodeType="tmRoot"/>
+      </p:par>
+    </p:tnLst>
+  </p:timing>
 </p:sld>
 </file>
 
@@ -26950,7 +26998,7 @@
           </a:ln>
           <a:extLst>
             <a:ext uri="{C572A759-6A51-4108-AA02-DFA0A04FC94B}">
-              <ma14:wrappingTextBoxFlag xmlns:ma14="http://schemas.microsoft.com/office/mac/drawingml/2011/main" xmlns="" val="1"/>
+              <ma14:wrappingTextBoxFlag xmlns="" xmlns:ma14="http://schemas.microsoft.com/office/mac/drawingml/2011/main" val="1"/>
             </a:ext>
           </a:extLst>
         </p:spPr>
@@ -27158,7 +27206,7 @@
           <p:cNvPr id="16" name="Rectangle: Rounded Corners 15">
             <a:extLst>
               <a:ext uri="{FF2B5EF4-FFF2-40B4-BE49-F238E27FC236}">
-                <a16:creationId xmlns:a16="http://schemas.microsoft.com/office/drawing/2014/main" xmlns="" id="{D5BEE1BC-632F-4780-B633-EF399EA1A299}"/>
+                <a16:creationId xmlns="" xmlns:a16="http://schemas.microsoft.com/office/drawing/2014/main" id="{D5BEE1BC-632F-4780-B633-EF399EA1A299}"/>
               </a:ext>
             </a:extLst>
           </p:cNvPr>
@@ -27211,7 +27259,7 @@
           <p:cNvPr id="2" name="Rectangle: Rounded Corners 1">
             <a:extLst>
               <a:ext uri="{FF2B5EF4-FFF2-40B4-BE49-F238E27FC236}">
-                <a16:creationId xmlns:a16="http://schemas.microsoft.com/office/drawing/2014/main" xmlns="" id="{9A75D464-87B3-4691-A1AA-9F5A7BECD311}"/>
+                <a16:creationId xmlns="" xmlns:a16="http://schemas.microsoft.com/office/drawing/2014/main" id="{9A75D464-87B3-4691-A1AA-9F5A7BECD311}"/>
               </a:ext>
             </a:extLst>
           </p:cNvPr>
@@ -27585,7 +27633,7 @@
           </a:ln>
           <a:extLst>
             <a:ext uri="{C572A759-6A51-4108-AA02-DFA0A04FC94B}">
-              <ma14:wrappingTextBoxFlag xmlns:ma14="http://schemas.microsoft.com/office/mac/drawingml/2011/main" xmlns="" val="1"/>
+              <ma14:wrappingTextBoxFlag xmlns="" xmlns:ma14="http://schemas.microsoft.com/office/mac/drawingml/2011/main" val="1"/>
             </a:ext>
           </a:extLst>
         </p:spPr>
@@ -27640,6 +27688,13 @@
   <p:clrMapOvr>
     <a:masterClrMapping/>
   </p:clrMapOvr>
+  <p:timing>
+    <p:tnLst>
+      <p:par>
+        <p:cTn id="1" dur="indefinite" restart="never" nodeType="tmRoot"/>
+      </p:par>
+    </p:tnLst>
+  </p:timing>
 </p:sld>
 </file>
 
@@ -27784,7 +27839,7 @@
           </a:ln>
           <a:extLst>
             <a:ext uri="{C572A759-6A51-4108-AA02-DFA0A04FC94B}">
-              <ma14:wrappingTextBoxFlag xmlns:ma14="http://schemas.microsoft.com/office/mac/drawingml/2011/main" xmlns="" val="1"/>
+              <ma14:wrappingTextBoxFlag xmlns="" xmlns:ma14="http://schemas.microsoft.com/office/mac/drawingml/2011/main" val="1"/>
             </a:ext>
           </a:extLst>
         </p:spPr>
@@ -27993,7 +28048,7 @@
           <p:cNvPr id="4" name="Rectangle 3">
             <a:extLst>
               <a:ext uri="{FF2B5EF4-FFF2-40B4-BE49-F238E27FC236}">
-                <a16:creationId xmlns:a16="http://schemas.microsoft.com/office/drawing/2014/main" xmlns="" id="{E2935F43-446F-4D9E-91A8-5D2AA60B8E8E}"/>
+                <a16:creationId xmlns="" xmlns:a16="http://schemas.microsoft.com/office/drawing/2014/main" id="{E2935F43-446F-4D9E-91A8-5D2AA60B8E8E}"/>
               </a:ext>
             </a:extLst>
           </p:cNvPr>
@@ -28059,7 +28114,7 @@
           <p:cNvPr id="5" name="Rectangle 4">
             <a:extLst>
               <a:ext uri="{FF2B5EF4-FFF2-40B4-BE49-F238E27FC236}">
-                <a16:creationId xmlns:a16="http://schemas.microsoft.com/office/drawing/2014/main" xmlns="" id="{2E40563C-E1A1-425D-8E19-91A3F1405463}"/>
+                <a16:creationId xmlns="" xmlns:a16="http://schemas.microsoft.com/office/drawing/2014/main" id="{2E40563C-E1A1-425D-8E19-91A3F1405463}"/>
               </a:ext>
             </a:extLst>
           </p:cNvPr>
@@ -28125,7 +28180,7 @@
           <p:cNvPr id="8" name="Freeform 4">
             <a:extLst>
               <a:ext uri="{FF2B5EF4-FFF2-40B4-BE49-F238E27FC236}">
-                <a16:creationId xmlns:a16="http://schemas.microsoft.com/office/drawing/2014/main" xmlns="" id="{E2FBEDA2-62BA-4C6F-8258-B223CB219B6B}"/>
+                <a16:creationId xmlns="" xmlns:a16="http://schemas.microsoft.com/office/drawing/2014/main" id="{E2FBEDA2-62BA-4C6F-8258-B223CB219B6B}"/>
               </a:ext>
             </a:extLst>
           </p:cNvPr>
@@ -28264,7 +28319,7 @@
           <p:cNvPr id="9" name="Freeform 6">
             <a:extLst>
               <a:ext uri="{FF2B5EF4-FFF2-40B4-BE49-F238E27FC236}">
-                <a16:creationId xmlns:a16="http://schemas.microsoft.com/office/drawing/2014/main" xmlns="" id="{41F8D2C5-CBF4-4708-94E0-0D1B786CE8E6}"/>
+                <a16:creationId xmlns="" xmlns:a16="http://schemas.microsoft.com/office/drawing/2014/main" id="{41F8D2C5-CBF4-4708-94E0-0D1B786CE8E6}"/>
               </a:ext>
             </a:extLst>
           </p:cNvPr>
@@ -28403,7 +28458,7 @@
           <p:cNvPr id="13" name="Rectangle 12">
             <a:extLst>
               <a:ext uri="{FF2B5EF4-FFF2-40B4-BE49-F238E27FC236}">
-                <a16:creationId xmlns:a16="http://schemas.microsoft.com/office/drawing/2014/main" xmlns="" id="{8892D30C-9AB2-47F1-B7AC-B19E8108022C}"/>
+                <a16:creationId xmlns="" xmlns:a16="http://schemas.microsoft.com/office/drawing/2014/main" id="{8892D30C-9AB2-47F1-B7AC-B19E8108022C}"/>
               </a:ext>
             </a:extLst>
           </p:cNvPr>
@@ -28461,7 +28516,7 @@
           <p:cNvPr id="14" name="Rectangle 13">
             <a:extLst>
               <a:ext uri="{FF2B5EF4-FFF2-40B4-BE49-F238E27FC236}">
-                <a16:creationId xmlns:a16="http://schemas.microsoft.com/office/drawing/2014/main" xmlns="" id="{3ED7C0B4-CA0F-4D40-8E16-787F4BB9A7A9}"/>
+                <a16:creationId xmlns="" xmlns:a16="http://schemas.microsoft.com/office/drawing/2014/main" id="{3ED7C0B4-CA0F-4D40-8E16-787F4BB9A7A9}"/>
               </a:ext>
             </a:extLst>
           </p:cNvPr>
@@ -28519,7 +28574,7 @@
           <p:cNvPr id="15" name="Rectangle 14">
             <a:extLst>
               <a:ext uri="{FF2B5EF4-FFF2-40B4-BE49-F238E27FC236}">
-                <a16:creationId xmlns:a16="http://schemas.microsoft.com/office/drawing/2014/main" xmlns="" id="{DF4C7EDC-F3D6-4D73-BABE-42E81E025A58}"/>
+                <a16:creationId xmlns="" xmlns:a16="http://schemas.microsoft.com/office/drawing/2014/main" id="{DF4C7EDC-F3D6-4D73-BABE-42E81E025A58}"/>
               </a:ext>
             </a:extLst>
           </p:cNvPr>
@@ -28585,7 +28640,7 @@
           <p:cNvPr id="16" name="Freeform 6">
             <a:extLst>
               <a:ext uri="{FF2B5EF4-FFF2-40B4-BE49-F238E27FC236}">
-                <a16:creationId xmlns:a16="http://schemas.microsoft.com/office/drawing/2014/main" xmlns="" id="{7D55D226-CB29-444E-A1EE-A77AE633FDD0}"/>
+                <a16:creationId xmlns="" xmlns:a16="http://schemas.microsoft.com/office/drawing/2014/main" id="{7D55D226-CB29-444E-A1EE-A77AE633FDD0}"/>
               </a:ext>
             </a:extLst>
           </p:cNvPr>
@@ -28724,7 +28779,7 @@
           <p:cNvPr id="17" name="Rectangle 16">
             <a:extLst>
               <a:ext uri="{FF2B5EF4-FFF2-40B4-BE49-F238E27FC236}">
-                <a16:creationId xmlns:a16="http://schemas.microsoft.com/office/drawing/2014/main" xmlns="" id="{7DC968E2-6A36-47D4-8F67-9AB0DD00A6E8}"/>
+                <a16:creationId xmlns="" xmlns:a16="http://schemas.microsoft.com/office/drawing/2014/main" id="{7DC968E2-6A36-47D4-8F67-9AB0DD00A6E8}"/>
               </a:ext>
             </a:extLst>
           </p:cNvPr>
@@ -28782,7 +28837,7 @@
           <p:cNvPr id="3" name="Picture 2">
             <a:extLst>
               <a:ext uri="{FF2B5EF4-FFF2-40B4-BE49-F238E27FC236}">
-                <a16:creationId xmlns:a16="http://schemas.microsoft.com/office/drawing/2014/main" xmlns="" id="{2BA2016A-609B-4403-ACD5-53AC4E3B71C7}"/>
+                <a16:creationId xmlns="" xmlns:a16="http://schemas.microsoft.com/office/drawing/2014/main" id="{2BA2016A-609B-4403-ACD5-53AC4E3B71C7}"/>
               </a:ext>
             </a:extLst>
           </p:cNvPr>
@@ -28825,7 +28880,7 @@
           <p:cNvPr id="19" name="Picture 18">
             <a:extLst>
               <a:ext uri="{FF2B5EF4-FFF2-40B4-BE49-F238E27FC236}">
-                <a16:creationId xmlns:a16="http://schemas.microsoft.com/office/drawing/2014/main" xmlns="" id="{CADBF8DC-E1B3-4C45-ABC6-D2BE12781A4E}"/>
+                <a16:creationId xmlns="" xmlns:a16="http://schemas.microsoft.com/office/drawing/2014/main" id="{CADBF8DC-E1B3-4C45-ABC6-D2BE12781A4E}"/>
               </a:ext>
             </a:extLst>
           </p:cNvPr>
@@ -28868,7 +28923,7 @@
           <p:cNvPr id="21" name="Picture 20">
             <a:extLst>
               <a:ext uri="{FF2B5EF4-FFF2-40B4-BE49-F238E27FC236}">
-                <a16:creationId xmlns:a16="http://schemas.microsoft.com/office/drawing/2014/main" xmlns="" id="{B61ADAAC-BFB2-4ED8-BF3F-6F5A25C5589E}"/>
+                <a16:creationId xmlns="" xmlns:a16="http://schemas.microsoft.com/office/drawing/2014/main" id="{B61ADAAC-BFB2-4ED8-BF3F-6F5A25C5589E}"/>
               </a:ext>
             </a:extLst>
           </p:cNvPr>
@@ -28918,7 +28973,7 @@
           </a:ln>
           <a:extLst>
             <a:ext uri="{C572A759-6A51-4108-AA02-DFA0A04FC94B}">
-              <ma14:wrappingTextBoxFlag xmlns:ma14="http://schemas.microsoft.com/office/mac/drawingml/2011/main" xmlns="" val="1"/>
+              <ma14:wrappingTextBoxFlag xmlns="" xmlns:ma14="http://schemas.microsoft.com/office/mac/drawingml/2011/main" val="1"/>
             </a:ext>
           </a:extLst>
         </p:spPr>
@@ -29326,7 +29381,7 @@
           <p:cNvPr id="7" name="Rectangle 6">
             <a:extLst>
               <a:ext uri="{FF2B5EF4-FFF2-40B4-BE49-F238E27FC236}">
-                <a16:creationId xmlns:a16="http://schemas.microsoft.com/office/drawing/2014/main" xmlns="" id="{9997F4D0-E30A-4A14-B576-6A38D792A2CB}"/>
+                <a16:creationId xmlns="" xmlns:a16="http://schemas.microsoft.com/office/drawing/2014/main" id="{9997F4D0-E30A-4A14-B576-6A38D792A2CB}"/>
               </a:ext>
             </a:extLst>
           </p:cNvPr>
@@ -29385,7 +29440,7 @@
           </a:ln>
           <a:extLst>
             <a:ext uri="{C572A759-6A51-4108-AA02-DFA0A04FC94B}">
-              <ma14:wrappingTextBoxFlag xmlns:ma14="http://schemas.microsoft.com/office/mac/drawingml/2011/main" xmlns="" val="1"/>
+              <ma14:wrappingTextBoxFlag xmlns="" xmlns:ma14="http://schemas.microsoft.com/office/mac/drawingml/2011/main" val="1"/>
             </a:ext>
           </a:extLst>
         </p:spPr>
@@ -31213,7 +31268,7 @@
           </a:ln>
           <a:extLst>
             <a:ext uri="{C572A759-6A51-4108-AA02-DFA0A04FC94B}">
-              <ma14:wrappingTextBoxFlag xmlns:ma14="http://schemas.microsoft.com/office/mac/drawingml/2011/main" xmlns="" val="1"/>
+              <ma14:wrappingTextBoxFlag xmlns="" xmlns:ma14="http://schemas.microsoft.com/office/mac/drawingml/2011/main" val="1"/>
             </a:ext>
           </a:extLst>
         </p:spPr>
@@ -31264,6 +31319,13 @@
   <p:clrMapOvr>
     <a:masterClrMapping/>
   </p:clrMapOvr>
+  <p:timing>
+    <p:tnLst>
+      <p:par>
+        <p:cTn id="1" dur="indefinite" restart="never" nodeType="tmRoot"/>
+      </p:par>
+    </p:tnLst>
+  </p:timing>
 </p:sld>
 </file>
 
@@ -35164,25 +35226,12 @@
 </file>
 
 <file path=customXml/item1.xml><?xml version="1.0" encoding="utf-8"?>
-<p:properties xmlns:p="http://schemas.microsoft.com/office/2006/metadata/properties" xmlns:xsi="http://www.w3.org/2001/XMLSchema-instance" xmlns:pc="http://schemas.microsoft.com/office/infopath/2007/PartnerControls">
-  <documentManagement>
-    <BusinessDivision xmlns="D394501B-BDBB-424E-B5E9-622762117F7A" xsi:nil="true"/>
-    <Email xmlns="D394501B-BDBB-424E-B5E9-622762117F7A" xsi:nil="true"/>
-    <Team xmlns="D394501B-BDBB-424E-B5E9-622762117F7A" xsi:nil="true"/>
-    <BusinessLine xmlns="D394501B-BDBB-424E-B5E9-622762117F7A" xsi:nil="true"/>
-    <UserName xmlns="D394501B-BDBB-424E-B5E9-622762117F7A">, </UserName>
-    <CorporateDivision xmlns="D394501B-BDBB-424E-B5E9-622762117F7A" xsi:nil="true"/>
-    <DBDirID xmlns="D394501B-BDBB-424E-B5E9-622762117F7A" xsi:nil="true"/>
-    <Department xmlns="D394501B-BDBB-424E-B5E9-622762117F7A" xsi:nil="true"/>
-    <Country xmlns="D394501B-BDBB-424E-B5E9-622762117F7A" xsi:nil="true"/>
-    <GroupDivision xmlns="D394501B-BDBB-424E-B5E9-622762117F7A" xsi:nil="true"/>
-    <_dlc_DocId xmlns="08cb0f59-b58a-410a-8fde-00fb0eef9b53">EAY6WXRV32KZ-1864152586-176</_dlc_DocId>
-    <_dlc_DocIdUrl xmlns="08cb0f59-b58a-410a-8fde-00fb0eef9b53">
-      <Url>https://dspace.de.intranet.db.com/site4361/_layouts/DocIdRedir.aspx?ID=EAY6WXRV32KZ-1864152586-176</Url>
-      <Description>EAY6WXRV32KZ-1864152586-176</Description>
-    </_dlc_DocIdUrl>
-  </documentManagement>
-</p:properties>
+<?mso-contentType ?>
+<FormTemplates xmlns="http://schemas.microsoft.com/sharepoint/v3/contenttype/forms">
+  <Display>DocumentLibraryForm</Display>
+  <Edit>DocumentLibraryForm</Edit>
+  <New>DocumentLibraryForm</New>
+</FormTemplates>
 </file>
 
 <file path=customXml/item2.xml><?xml version="1.0" encoding="utf-8"?>
@@ -35232,12 +35281,25 @@
 </file>
 
 <file path=customXml/item3.xml><?xml version="1.0" encoding="utf-8"?>
-<?mso-contentType ?>
-<FormTemplates xmlns="http://schemas.microsoft.com/sharepoint/v3/contenttype/forms">
-  <Display>DocumentLibraryForm</Display>
-  <Edit>DocumentLibraryForm</Edit>
-  <New>DocumentLibraryForm</New>
-</FormTemplates>
+<p:properties xmlns:p="http://schemas.microsoft.com/office/2006/metadata/properties" xmlns:xsi="http://www.w3.org/2001/XMLSchema-instance" xmlns:pc="http://schemas.microsoft.com/office/infopath/2007/PartnerControls">
+  <documentManagement>
+    <BusinessDivision xmlns="D394501B-BDBB-424E-B5E9-622762117F7A" xsi:nil="true"/>
+    <Email xmlns="D394501B-BDBB-424E-B5E9-622762117F7A" xsi:nil="true"/>
+    <Team xmlns="D394501B-BDBB-424E-B5E9-622762117F7A" xsi:nil="true"/>
+    <BusinessLine xmlns="D394501B-BDBB-424E-B5E9-622762117F7A" xsi:nil="true"/>
+    <UserName xmlns="D394501B-BDBB-424E-B5E9-622762117F7A">, </UserName>
+    <CorporateDivision xmlns="D394501B-BDBB-424E-B5E9-622762117F7A" xsi:nil="true"/>
+    <DBDirID xmlns="D394501B-BDBB-424E-B5E9-622762117F7A" xsi:nil="true"/>
+    <Department xmlns="D394501B-BDBB-424E-B5E9-622762117F7A" xsi:nil="true"/>
+    <Country xmlns="D394501B-BDBB-424E-B5E9-622762117F7A" xsi:nil="true"/>
+    <GroupDivision xmlns="D394501B-BDBB-424E-B5E9-622762117F7A" xsi:nil="true"/>
+    <_dlc_DocId xmlns="08cb0f59-b58a-410a-8fde-00fb0eef9b53">EAY6WXRV32KZ-1864152586-176</_dlc_DocId>
+    <_dlc_DocIdUrl xmlns="08cb0f59-b58a-410a-8fde-00fb0eef9b53">
+      <Url>https://dspace.de.intranet.db.com/site4361/_layouts/DocIdRedir.aspx?ID=EAY6WXRV32KZ-1864152586-176</Url>
+      <Description>EAY6WXRV32KZ-1864152586-176</Description>
+    </_dlc_DocIdUrl>
+  </documentManagement>
+</p:properties>
 </file>
 
 <file path=customXml/item4.xml><?xml version="1.0" encoding="utf-8"?>
@@ -35451,18 +35513,9 @@
 </file>
 
 <file path=customXml/itemProps1.xml><?xml version="1.0" encoding="utf-8"?>
-<ds:datastoreItem xmlns:ds="http://schemas.openxmlformats.org/officeDocument/2006/customXml" ds:itemID="{588DFF60-FD90-4DB3-9E89-8B4174AFCB71}">
+<ds:datastoreItem xmlns:ds="http://schemas.openxmlformats.org/officeDocument/2006/customXml" ds:itemID="{89858757-D8A2-4985-800E-DB0819CBC365}">
   <ds:schemaRefs>
-    <ds:schemaRef ds:uri="http://www.w3.org/XML/1998/namespace"/>
-    <ds:schemaRef ds:uri="http://schemas.microsoft.com/office/infopath/2007/PartnerControls"/>
-    <ds:schemaRef ds:uri="http://purl.org/dc/terms/"/>
-    <ds:schemaRef ds:uri="http://schemas.microsoft.com/office/2006/metadata/properties"/>
-    <ds:schemaRef ds:uri="http://schemas.microsoft.com/office/2006/documentManagement/types"/>
-    <ds:schemaRef ds:uri="D394501B-BDBB-424E-B5E9-622762117F7A"/>
-    <ds:schemaRef ds:uri="http://purl.org/dc/elements/1.1/"/>
-    <ds:schemaRef ds:uri="http://schemas.openxmlformats.org/package/2006/metadata/core-properties"/>
-    <ds:schemaRef ds:uri="08cb0f59-b58a-410a-8fde-00fb0eef9b53"/>
-    <ds:schemaRef ds:uri="http://purl.org/dc/dcmitype/"/>
+    <ds:schemaRef ds:uri="http://schemas.microsoft.com/sharepoint/v3/contenttype/forms"/>
   </ds:schemaRefs>
 </ds:datastoreItem>
 </file>
@@ -35476,9 +35529,18 @@
 </file>
 
 <file path=customXml/itemProps3.xml><?xml version="1.0" encoding="utf-8"?>
-<ds:datastoreItem xmlns:ds="http://schemas.openxmlformats.org/officeDocument/2006/customXml" ds:itemID="{89858757-D8A2-4985-800E-DB0819CBC365}">
+<ds:datastoreItem xmlns:ds="http://schemas.openxmlformats.org/officeDocument/2006/customXml" ds:itemID="{588DFF60-FD90-4DB3-9E89-8B4174AFCB71}">
   <ds:schemaRefs>
-    <ds:schemaRef ds:uri="http://schemas.microsoft.com/sharepoint/v3/contenttype/forms"/>
+    <ds:schemaRef ds:uri="http://www.w3.org/XML/1998/namespace"/>
+    <ds:schemaRef ds:uri="http://schemas.microsoft.com/office/infopath/2007/PartnerControls"/>
+    <ds:schemaRef ds:uri="http://purl.org/dc/terms/"/>
+    <ds:schemaRef ds:uri="http://schemas.microsoft.com/office/2006/metadata/properties"/>
+    <ds:schemaRef ds:uri="http://schemas.microsoft.com/office/2006/documentManagement/types"/>
+    <ds:schemaRef ds:uri="D394501B-BDBB-424E-B5E9-622762117F7A"/>
+    <ds:schemaRef ds:uri="http://purl.org/dc/elements/1.1/"/>
+    <ds:schemaRef ds:uri="http://schemas.openxmlformats.org/package/2006/metadata/core-properties"/>
+    <ds:schemaRef ds:uri="08cb0f59-b58a-410a-8fde-00fb0eef9b53"/>
+    <ds:schemaRef ds:uri="http://purl.org/dc/dcmitype/"/>
   </ds:schemaRefs>
 </ds:datastoreItem>
 </file>
